--- a/Slides do curso Aprender e Crescer.pptx
+++ b/Slides do curso Aprender e Crescer.pptx
@@ -2,17 +2,14 @@
 <file path=ppt/presentation.xml><?xml version="1.0" encoding="utf-8"?>
 <p:presentation xmlns:a="http://schemas.openxmlformats.org/drawingml/2006/main" xmlns:r="http://schemas.openxmlformats.org/officeDocument/2006/relationships" xmlns:p="http://schemas.openxmlformats.org/presentationml/2006/main" saveSubsetFonts="1">
   <p:sldMasterIdLst>
-    <p:sldMasterId id="2147483792" r:id="rId1"/>
+    <p:sldMasterId id="2147484200" r:id="rId1"/>
   </p:sldMasterIdLst>
   <p:sldIdLst>
     <p:sldId id="256" r:id="rId2"/>
     <p:sldId id="258" r:id="rId3"/>
     <p:sldId id="257" r:id="rId4"/>
-    <p:sldId id="259" r:id="rId5"/>
-    <p:sldId id="260" r:id="rId6"/>
-    <p:sldId id="261" r:id="rId7"/>
-    <p:sldId id="262" r:id="rId8"/>
-    <p:sldId id="267" r:id="rId9"/>
+    <p:sldId id="260" r:id="rId5"/>
+    <p:sldId id="267" r:id="rId6"/>
   </p:sldIdLst>
   <p:sldSz cx="9144000" cy="6858000" type="screen4x3"/>
   <p:notesSz cx="6858000" cy="9144000"/>
@@ -143,22 +140,20 @@
         </p:nvSpPr>
         <p:spPr>
           <a:xfrm>
-            <a:off x="685800" y="1905000"/>
-            <a:ext cx="7543800" cy="2593975"/>
+            <a:off x="685800" y="609601"/>
+            <a:ext cx="7772400" cy="4267200"/>
           </a:xfrm>
         </p:spPr>
         <p:txBody>
-          <a:bodyPr anchor="b"/>
+          <a:bodyPr anchor="b">
+            <a:noAutofit/>
+          </a:bodyPr>
           <a:lstStyle>
             <a:lvl1pPr>
-              <a:defRPr sz="6600">
-                <a:ln>
-                  <a:noFill/>
-                </a:ln>
-                <a:solidFill>
-                  <a:schemeClr val="tx2"/>
-                </a:solidFill>
-              </a:defRPr>
+              <a:lnSpc>
+                <a:spcPct val="100000"/>
+              </a:lnSpc>
+              <a:defRPr sz="8000"/>
             </a:lvl1pPr>
           </a:lstStyle>
           <a:p>
@@ -182,18 +177,18 @@
         </p:nvSpPr>
         <p:spPr>
           <a:xfrm>
-            <a:off x="685800" y="4572000"/>
-            <a:ext cx="6461760" cy="1066800"/>
+            <a:off x="1371600" y="4953000"/>
+            <a:ext cx="6400800" cy="1219200"/>
           </a:xfrm>
         </p:spPr>
         <p:txBody>
-          <a:bodyPr anchor="t">
+          <a:bodyPr>
             <a:normAutofit/>
           </a:bodyPr>
           <a:lstStyle>
-            <a:lvl1pPr marL="0" indent="0" algn="l">
-              <a:buNone/>
-              <a:defRPr sz="2000">
+            <a:lvl1pPr marL="0" indent="0" algn="ctr">
+              <a:buNone/>
+              <a:defRPr sz="2400">
                 <a:solidFill>
                   <a:schemeClr val="tx1">
                     <a:tint val="75000"/>
@@ -293,7 +288,7 @@
       </p:sp>
       <p:sp>
         <p:nvSpPr>
-          <p:cNvPr id="4" name="Date Placeholder 3"/>
+          <p:cNvPr id="7" name="Date Placeholder 6"/>
           <p:cNvSpPr>
             <a:spLocks noGrp="1"/>
           </p:cNvSpPr>
@@ -308,7 +303,7 @@
           <a:p>
             <a:fld id="{48619ED3-62B8-4CE6-B63B-BBBB2D3553ED}" type="datetimeFigureOut">
               <a:rPr lang="pt-BR" smtClean="0"/>
-              <a:t>18/10/2016</a:t>
+              <a:t>20/10/2016</a:t>
             </a:fld>
             <a:endParaRPr lang="pt-BR"/>
           </a:p>
@@ -316,31 +311,12 @@
       </p:sp>
       <p:sp>
         <p:nvSpPr>
-          <p:cNvPr id="5" name="Footer Placeholder 4"/>
-          <p:cNvSpPr>
-            <a:spLocks noGrp="1"/>
-          </p:cNvSpPr>
-          <p:nvPr>
-            <p:ph type="ftr" sz="quarter" idx="11"/>
-          </p:nvPr>
-        </p:nvSpPr>
-        <p:spPr/>
-        <p:txBody>
-          <a:bodyPr/>
-          <a:lstStyle/>
-          <a:p>
-            <a:endParaRPr lang="pt-BR"/>
-          </a:p>
-        </p:txBody>
-      </p:sp>
-      <p:sp>
-        <p:nvSpPr>
-          <p:cNvPr id="6" name="Slide Number Placeholder 5"/>
-          <p:cNvSpPr>
-            <a:spLocks noGrp="1"/>
-          </p:cNvSpPr>
-          <p:nvPr>
-            <p:ph type="sldNum" sz="quarter" idx="12"/>
+          <p:cNvPr id="8" name="Slide Number Placeholder 7"/>
+          <p:cNvSpPr>
+            <a:spLocks noGrp="1"/>
+          </p:cNvSpPr>
+          <p:nvPr>
+            <p:ph type="sldNum" sz="quarter" idx="11"/>
           </p:nvPr>
         </p:nvSpPr>
         <p:spPr/>
@@ -352,6 +328,25 @@
               <a:rPr lang="pt-BR" smtClean="0"/>
               <a:t>‹nº›</a:t>
             </a:fld>
+            <a:endParaRPr lang="pt-BR"/>
+          </a:p>
+        </p:txBody>
+      </p:sp>
+      <p:sp>
+        <p:nvSpPr>
+          <p:cNvPr id="9" name="Footer Placeholder 8"/>
+          <p:cNvSpPr>
+            <a:spLocks noGrp="1"/>
+          </p:cNvSpPr>
+          <p:nvPr>
+            <p:ph type="ftr" sz="quarter" idx="12"/>
+          </p:nvPr>
+        </p:nvSpPr>
+        <p:spPr/>
+        <p:txBody>
+          <a:bodyPr/>
+          <a:lstStyle/>
+          <a:p>
             <a:endParaRPr lang="pt-BR"/>
           </a:p>
         </p:txBody>
@@ -400,80 +395,80 @@
               <a:rPr lang="pt-BR" smtClean="0"/>
               <a:t>Clique para editar o título mestre</a:t>
             </a:r>
+            <a:endParaRPr lang="en-US" dirty="0"/>
+          </a:p>
+        </p:txBody>
+      </p:sp>
+      <p:sp>
+        <p:nvSpPr>
+          <p:cNvPr id="3" name="Vertical Text Placeholder 2"/>
+          <p:cNvSpPr>
+            <a:spLocks noGrp="1"/>
+          </p:cNvSpPr>
+          <p:nvPr>
+            <p:ph type="body" orient="vert" idx="1"/>
+          </p:nvPr>
+        </p:nvSpPr>
+        <p:spPr/>
+        <p:txBody>
+          <a:bodyPr vert="eaVert"/>
+          <a:lstStyle/>
+          <a:p>
+            <a:pPr lvl="0"/>
+            <a:r>
+              <a:rPr lang="pt-BR" smtClean="0"/>
+              <a:t>Clique para editar o texto mestre</a:t>
+            </a:r>
+          </a:p>
+          <a:p>
+            <a:pPr lvl="1"/>
+            <a:r>
+              <a:rPr lang="pt-BR" smtClean="0"/>
+              <a:t>Segundo nível</a:t>
+            </a:r>
+          </a:p>
+          <a:p>
+            <a:pPr lvl="2"/>
+            <a:r>
+              <a:rPr lang="pt-BR" smtClean="0"/>
+              <a:t>Terceiro nível</a:t>
+            </a:r>
+          </a:p>
+          <a:p>
+            <a:pPr lvl="3"/>
+            <a:r>
+              <a:rPr lang="pt-BR" smtClean="0"/>
+              <a:t>Quarto nível</a:t>
+            </a:r>
+          </a:p>
+          <a:p>
+            <a:pPr lvl="4"/>
+            <a:r>
+              <a:rPr lang="pt-BR" smtClean="0"/>
+              <a:t>Quinto nível</a:t>
+            </a:r>
             <a:endParaRPr lang="en-US"/>
           </a:p>
         </p:txBody>
       </p:sp>
       <p:sp>
         <p:nvSpPr>
-          <p:cNvPr id="3" name="Vertical Text Placeholder 2"/>
-          <p:cNvSpPr>
-            <a:spLocks noGrp="1"/>
-          </p:cNvSpPr>
-          <p:nvPr>
-            <p:ph type="body" orient="vert" idx="1"/>
+          <p:cNvPr id="4" name="Date Placeholder 3"/>
+          <p:cNvSpPr>
+            <a:spLocks noGrp="1"/>
+          </p:cNvSpPr>
+          <p:nvPr>
+            <p:ph type="dt" sz="half" idx="10"/>
           </p:nvPr>
         </p:nvSpPr>
         <p:spPr/>
         <p:txBody>
-          <a:bodyPr vert="eaVert"/>
-          <a:lstStyle/>
-          <a:p>
-            <a:pPr lvl="0"/>
-            <a:r>
-              <a:rPr lang="pt-BR" smtClean="0"/>
-              <a:t>Clique para editar o texto mestre</a:t>
-            </a:r>
-          </a:p>
-          <a:p>
-            <a:pPr lvl="1"/>
-            <a:r>
-              <a:rPr lang="pt-BR" smtClean="0"/>
-              <a:t>Segundo nível</a:t>
-            </a:r>
-          </a:p>
-          <a:p>
-            <a:pPr lvl="2"/>
-            <a:r>
-              <a:rPr lang="pt-BR" smtClean="0"/>
-              <a:t>Terceiro nível</a:t>
-            </a:r>
-          </a:p>
-          <a:p>
-            <a:pPr lvl="3"/>
-            <a:r>
-              <a:rPr lang="pt-BR" smtClean="0"/>
-              <a:t>Quarto nível</a:t>
-            </a:r>
-          </a:p>
-          <a:p>
-            <a:pPr lvl="4"/>
-            <a:r>
-              <a:rPr lang="pt-BR" smtClean="0"/>
-              <a:t>Quinto nível</a:t>
-            </a:r>
-            <a:endParaRPr lang="en-US"/>
-          </a:p>
-        </p:txBody>
-      </p:sp>
-      <p:sp>
-        <p:nvSpPr>
-          <p:cNvPr id="4" name="Date Placeholder 3"/>
-          <p:cNvSpPr>
-            <a:spLocks noGrp="1"/>
-          </p:cNvSpPr>
-          <p:nvPr>
-            <p:ph type="dt" sz="half" idx="10"/>
-          </p:nvPr>
-        </p:nvSpPr>
-        <p:spPr/>
-        <p:txBody>
           <a:bodyPr/>
           <a:lstStyle/>
           <a:p>
             <a:fld id="{48619ED3-62B8-4CE6-B63B-BBBB2D3553ED}" type="datetimeFigureOut">
               <a:rPr lang="pt-BR" smtClean="0"/>
-              <a:t>18/10/2016</a:t>
+              <a:t>20/10/2016</a:t>
             </a:fld>
             <a:endParaRPr lang="pt-BR"/>
           </a:p>
@@ -559,11 +554,11 @@
         <p:spPr>
           <a:xfrm>
             <a:off x="6629400" y="274638"/>
-            <a:ext cx="1752600" cy="5851525"/>
+            <a:ext cx="2057400" cy="5851525"/>
           </a:xfrm>
         </p:spPr>
         <p:txBody>
-          <a:bodyPr vert="eaVert" anchor="b" anchorCtr="0"/>
+          <a:bodyPr vert="eaVert"/>
           <a:lstStyle/>
           <a:p>
             <a:r>
@@ -648,7 +643,7 @@
           <a:p>
             <a:fld id="{48619ED3-62B8-4CE6-B63B-BBBB2D3553ED}" type="datetimeFigureOut">
               <a:rPr lang="pt-BR" smtClean="0"/>
-              <a:t>18/10/2016</a:t>
+              <a:t>20/10/2016</a:t>
             </a:fld>
             <a:endParaRPr lang="pt-BR"/>
           </a:p>
@@ -740,7 +735,7 @@
               <a:rPr lang="pt-BR" smtClean="0"/>
               <a:t>Clique para editar o título mestre</a:t>
             </a:r>
-            <a:endParaRPr lang="en-US"/>
+            <a:endParaRPr lang="en-US" dirty="0"/>
           </a:p>
         </p:txBody>
       </p:sp>
@@ -757,7 +752,25 @@
         <p:spPr/>
         <p:txBody>
           <a:bodyPr/>
-          <a:lstStyle/>
+          <a:lstStyle>
+            <a:lvl5pPr>
+              <a:defRPr/>
+            </a:lvl5pPr>
+            <a:lvl6pPr>
+              <a:defRPr/>
+            </a:lvl6pPr>
+            <a:lvl7pPr>
+              <a:defRPr/>
+            </a:lvl7pPr>
+            <a:lvl8pPr>
+              <a:defRPr/>
+            </a:lvl8pPr>
+            <a:lvl9pPr>
+              <a:buFont typeface="Arial" pitchFamily="34" charset="0"/>
+              <a:buChar char="•"/>
+              <a:defRPr/>
+            </a:lvl9pPr>
+          </a:lstStyle>
           <a:p>
             <a:pPr lvl="0"/>
             <a:r>
@@ -792,7 +805,7 @@
               <a:rPr lang="pt-BR" smtClean="0"/>
               <a:t>Quinto nível</a:t>
             </a:r>
-            <a:endParaRPr lang="en-US"/>
+            <a:endParaRPr lang="en-US" dirty="0" smtClean="0"/>
           </a:p>
         </p:txBody>
       </p:sp>
@@ -813,7 +826,7 @@
           <a:p>
             <a:fld id="{48619ED3-62B8-4CE6-B63B-BBBB2D3553ED}" type="datetimeFigureOut">
               <a:rPr lang="pt-BR" smtClean="0"/>
-              <a:t>18/10/2016</a:t>
+              <a:t>20/10/2016</a:t>
             </a:fld>
             <a:endParaRPr lang="pt-BR"/>
           </a:p>
@@ -898,46 +911,67 @@
         </p:nvSpPr>
         <p:spPr>
           <a:xfrm>
-            <a:off x="722313" y="5486400"/>
-            <a:ext cx="7659687" cy="1168400"/>
+            <a:off x="722313" y="1371600"/>
+            <a:ext cx="7772400" cy="2505075"/>
           </a:xfrm>
         </p:spPr>
         <p:txBody>
+          <a:bodyPr anchor="b"/>
+          <a:lstStyle>
+            <a:lvl1pPr algn="ctr" defTabSz="914400" rtl="0" eaLnBrk="1" latinLnBrk="0" hangingPunct="1">
+              <a:lnSpc>
+                <a:spcPct val="100000"/>
+              </a:lnSpc>
+              <a:spcBef>
+                <a:spcPct val="0"/>
+              </a:spcBef>
+              <a:buNone/>
+              <a:defRPr lang="en-US" sz="4800" kern="1200" dirty="0" smtClean="0">
+                <a:solidFill>
+                  <a:schemeClr val="tx2"/>
+                </a:solidFill>
+                <a:effectLst>
+                  <a:outerShdw blurRad="63500" dist="38100" dir="5400000" algn="t" rotWithShape="0">
+                    <a:prstClr val="black">
+                      <a:alpha val="25000"/>
+                    </a:prstClr>
+                  </a:outerShdw>
+                </a:effectLst>
+                <a:latin typeface="+mn-lt"/>
+                <a:ea typeface="+mj-ea"/>
+                <a:cs typeface="+mj-cs"/>
+              </a:defRPr>
+            </a:lvl1pPr>
+          </a:lstStyle>
+          <a:p>
+            <a:r>
+              <a:rPr lang="pt-BR" smtClean="0"/>
+              <a:t>Clique para editar o título mestre</a:t>
+            </a:r>
+            <a:endParaRPr lang="en-US" dirty="0"/>
+          </a:p>
+        </p:txBody>
+      </p:sp>
+      <p:sp>
+        <p:nvSpPr>
+          <p:cNvPr id="3" name="Text Placeholder 2"/>
+          <p:cNvSpPr>
+            <a:spLocks noGrp="1"/>
+          </p:cNvSpPr>
+          <p:nvPr>
+            <p:ph type="body" idx="1"/>
+          </p:nvPr>
+        </p:nvSpPr>
+        <p:spPr>
+          <a:xfrm>
+            <a:off x="722313" y="4068763"/>
+            <a:ext cx="7772400" cy="1131887"/>
+          </a:xfrm>
+        </p:spPr>
+        <p:txBody>
           <a:bodyPr anchor="t"/>
           <a:lstStyle>
-            <a:lvl1pPr algn="l">
-              <a:defRPr sz="3600" b="0" cap="all"/>
-            </a:lvl1pPr>
-          </a:lstStyle>
-          <a:p>
-            <a:r>
-              <a:rPr lang="pt-BR" smtClean="0"/>
-              <a:t>Clique para editar o título mestre</a:t>
-            </a:r>
-            <a:endParaRPr lang="en-US" dirty="0"/>
-          </a:p>
-        </p:txBody>
-      </p:sp>
-      <p:sp>
-        <p:nvSpPr>
-          <p:cNvPr id="3" name="Text Placeholder 2"/>
-          <p:cNvSpPr>
-            <a:spLocks noGrp="1"/>
-          </p:cNvSpPr>
-          <p:nvPr>
-            <p:ph type="body" idx="1"/>
-          </p:nvPr>
-        </p:nvSpPr>
-        <p:spPr>
-          <a:xfrm>
-            <a:off x="722313" y="3852863"/>
-            <a:ext cx="6135687" cy="1633538"/>
-          </a:xfrm>
-        </p:spPr>
-        <p:txBody>
-          <a:bodyPr anchor="b"/>
-          <a:lstStyle>
-            <a:lvl1pPr marL="0" indent="0">
+            <a:lvl1pPr marL="0" indent="0" algn="ctr">
               <a:buNone/>
               <a:defRPr sz="2000">
                 <a:solidFill>
@@ -1054,7 +1088,7 @@
           <a:p>
             <a:fld id="{48619ED3-62B8-4CE6-B63B-BBBB2D3553ED}" type="datetimeFigureOut">
               <a:rPr lang="pt-BR" smtClean="0"/>
-              <a:t>18/10/2016</a:t>
+              <a:t>20/10/2016</a:t>
             </a:fld>
             <a:endParaRPr lang="pt-BR"/>
           </a:p>
@@ -1099,6 +1133,156 @@
               <a:t>‹nº›</a:t>
             </a:fld>
             <a:endParaRPr lang="pt-BR"/>
+          </a:p>
+        </p:txBody>
+      </p:sp>
+      <p:sp>
+        <p:nvSpPr>
+          <p:cNvPr id="7" name="Oval 6"/>
+          <p:cNvSpPr/>
+          <p:nvPr/>
+        </p:nvSpPr>
+        <p:spPr>
+          <a:xfrm>
+            <a:off x="4495800" y="3924300"/>
+            <a:ext cx="84772" cy="84772"/>
+          </a:xfrm>
+          <a:prstGeom prst="ellipse">
+            <a:avLst/>
+          </a:prstGeom>
+          <a:solidFill>
+            <a:schemeClr val="tx1">
+              <a:lumMod val="50000"/>
+              <a:lumOff val="50000"/>
+            </a:schemeClr>
+          </a:solidFill>
+          <a:ln w="12700">
+            <a:noFill/>
+          </a:ln>
+          <a:effectLst/>
+        </p:spPr>
+        <p:style>
+          <a:lnRef idx="2">
+            <a:schemeClr val="accent1">
+              <a:shade val="50000"/>
+            </a:schemeClr>
+          </a:lnRef>
+          <a:fillRef idx="1">
+            <a:schemeClr val="accent1"/>
+          </a:fillRef>
+          <a:effectRef idx="0">
+            <a:schemeClr val="accent1"/>
+          </a:effectRef>
+          <a:fontRef idx="minor">
+            <a:schemeClr val="lt1"/>
+          </a:fontRef>
+        </p:style>
+        <p:txBody>
+          <a:bodyPr rtlCol="0" anchor="ctr"/>
+          <a:lstStyle/>
+          <a:p>
+            <a:pPr algn="ctr"/>
+            <a:endParaRPr lang="en-US"/>
+          </a:p>
+        </p:txBody>
+      </p:sp>
+      <p:sp>
+        <p:nvSpPr>
+          <p:cNvPr id="8" name="Oval 7"/>
+          <p:cNvSpPr/>
+          <p:nvPr/>
+        </p:nvSpPr>
+        <p:spPr>
+          <a:xfrm>
+            <a:off x="4695825" y="3924300"/>
+            <a:ext cx="84772" cy="84772"/>
+          </a:xfrm>
+          <a:prstGeom prst="ellipse">
+            <a:avLst/>
+          </a:prstGeom>
+          <a:solidFill>
+            <a:schemeClr val="tx1">
+              <a:lumMod val="50000"/>
+              <a:lumOff val="50000"/>
+            </a:schemeClr>
+          </a:solidFill>
+          <a:ln w="12700">
+            <a:noFill/>
+          </a:ln>
+          <a:effectLst/>
+        </p:spPr>
+        <p:style>
+          <a:lnRef idx="2">
+            <a:schemeClr val="accent1">
+              <a:shade val="50000"/>
+            </a:schemeClr>
+          </a:lnRef>
+          <a:fillRef idx="1">
+            <a:schemeClr val="accent1"/>
+          </a:fillRef>
+          <a:effectRef idx="0">
+            <a:schemeClr val="accent1"/>
+          </a:effectRef>
+          <a:fontRef idx="minor">
+            <a:schemeClr val="lt1"/>
+          </a:fontRef>
+        </p:style>
+        <p:txBody>
+          <a:bodyPr rtlCol="0" anchor="ctr"/>
+          <a:lstStyle/>
+          <a:p>
+            <a:pPr algn="ctr"/>
+            <a:endParaRPr lang="en-US"/>
+          </a:p>
+        </p:txBody>
+      </p:sp>
+      <p:sp>
+        <p:nvSpPr>
+          <p:cNvPr id="9" name="Oval 8"/>
+          <p:cNvSpPr/>
+          <p:nvPr/>
+        </p:nvSpPr>
+        <p:spPr>
+          <a:xfrm>
+            <a:off x="4296728" y="3924300"/>
+            <a:ext cx="84772" cy="84772"/>
+          </a:xfrm>
+          <a:prstGeom prst="ellipse">
+            <a:avLst/>
+          </a:prstGeom>
+          <a:solidFill>
+            <a:schemeClr val="tx1">
+              <a:lumMod val="50000"/>
+              <a:lumOff val="50000"/>
+            </a:schemeClr>
+          </a:solidFill>
+          <a:ln w="12700">
+            <a:noFill/>
+          </a:ln>
+          <a:effectLst/>
+        </p:spPr>
+        <p:style>
+          <a:lnRef idx="2">
+            <a:schemeClr val="accent1">
+              <a:shade val="50000"/>
+            </a:schemeClr>
+          </a:lnRef>
+          <a:fillRef idx="1">
+            <a:schemeClr val="accent1"/>
+          </a:fillRef>
+          <a:effectRef idx="0">
+            <a:schemeClr val="accent1"/>
+          </a:effectRef>
+          <a:fontRef idx="minor">
+            <a:schemeClr val="lt1"/>
+          </a:fontRef>
+        </p:style>
+        <p:txBody>
+          <a:bodyPr rtlCol="0" anchor="ctr"/>
+          <a:lstStyle/>
+          <a:p>
+            <a:pPr algn="ctr"/>
+            <a:endParaRPr lang="en-US"/>
           </a:p>
         </p:txBody>
       </p:sp>
@@ -1152,49 +1336,49 @@
       </p:sp>
       <p:sp>
         <p:nvSpPr>
-          <p:cNvPr id="3" name="Content Placeholder 2"/>
-          <p:cNvSpPr>
-            <a:spLocks noGrp="1"/>
-          </p:cNvSpPr>
-          <p:nvPr>
-            <p:ph sz="half" idx="1"/>
+          <p:cNvPr id="4" name="Content Placeholder 3"/>
+          <p:cNvSpPr>
+            <a:spLocks noGrp="1"/>
+          </p:cNvSpPr>
+          <p:nvPr>
+            <p:ph sz="half" idx="2"/>
           </p:nvPr>
         </p:nvSpPr>
         <p:spPr>
           <a:xfrm>
-            <a:off x="457200" y="1536192"/>
-            <a:ext cx="3657600" cy="4590288"/>
+            <a:off x="4648200" y="1600200"/>
+            <a:ext cx="4038600" cy="4525963"/>
           </a:xfrm>
         </p:spPr>
         <p:txBody>
           <a:bodyPr/>
           <a:lstStyle>
             <a:lvl1pPr>
-              <a:defRPr sz="2800"/>
+              <a:defRPr sz="2400"/>
             </a:lvl1pPr>
             <a:lvl2pPr>
-              <a:defRPr sz="2400"/>
+              <a:defRPr sz="1600"/>
             </a:lvl2pPr>
             <a:lvl3pPr>
-              <a:defRPr sz="2000"/>
+              <a:defRPr sz="1600"/>
             </a:lvl3pPr>
             <a:lvl4pPr>
-              <a:defRPr sz="1800"/>
+              <a:defRPr sz="1600"/>
             </a:lvl4pPr>
             <a:lvl5pPr>
-              <a:defRPr sz="1800"/>
+              <a:defRPr sz="1600"/>
             </a:lvl5pPr>
             <a:lvl6pPr>
-              <a:defRPr sz="1800"/>
+              <a:defRPr sz="1600"/>
             </a:lvl6pPr>
             <a:lvl7pPr>
-              <a:defRPr sz="1800"/>
+              <a:defRPr sz="1600"/>
             </a:lvl7pPr>
             <a:lvl8pPr>
-              <a:defRPr sz="1800"/>
+              <a:defRPr sz="1600"/>
             </a:lvl8pPr>
             <a:lvl9pPr>
-              <a:defRPr sz="1800"/>
+              <a:defRPr sz="1600"/>
             </a:lvl9pPr>
           </a:lstStyle>
           <a:p>
@@ -1231,113 +1415,28 @@
               <a:rPr lang="pt-BR" smtClean="0"/>
               <a:t>Quinto nível</a:t>
             </a:r>
-            <a:endParaRPr lang="en-US" dirty="0"/>
-          </a:p>
-        </p:txBody>
-      </p:sp>
-      <p:sp>
-        <p:nvSpPr>
-          <p:cNvPr id="4" name="Content Placeholder 3"/>
-          <p:cNvSpPr>
-            <a:spLocks noGrp="1"/>
-          </p:cNvSpPr>
-          <p:nvPr>
-            <p:ph sz="half" idx="2"/>
-          </p:nvPr>
-        </p:nvSpPr>
-        <p:spPr>
-          <a:xfrm>
-            <a:off x="4419600" y="1536192"/>
-            <a:ext cx="3657600" cy="4590288"/>
-          </a:xfrm>
-        </p:spPr>
+            <a:endParaRPr lang="en-US" dirty="0" smtClean="0"/>
+          </a:p>
+        </p:txBody>
+      </p:sp>
+      <p:sp>
+        <p:nvSpPr>
+          <p:cNvPr id="5" name="Date Placeholder 4"/>
+          <p:cNvSpPr>
+            <a:spLocks noGrp="1"/>
+          </p:cNvSpPr>
+          <p:nvPr>
+            <p:ph type="dt" sz="half" idx="10"/>
+          </p:nvPr>
+        </p:nvSpPr>
+        <p:spPr/>
         <p:txBody>
           <a:bodyPr/>
-          <a:lstStyle>
-            <a:lvl1pPr>
-              <a:defRPr sz="2800"/>
-            </a:lvl1pPr>
-            <a:lvl2pPr>
-              <a:defRPr sz="2400"/>
-            </a:lvl2pPr>
-            <a:lvl3pPr>
-              <a:defRPr sz="2000"/>
-            </a:lvl3pPr>
-            <a:lvl4pPr>
-              <a:defRPr sz="1800"/>
-            </a:lvl4pPr>
-            <a:lvl5pPr>
-              <a:defRPr sz="1800"/>
-            </a:lvl5pPr>
-            <a:lvl6pPr>
-              <a:defRPr sz="1800"/>
-            </a:lvl6pPr>
-            <a:lvl7pPr>
-              <a:defRPr sz="1800"/>
-            </a:lvl7pPr>
-            <a:lvl8pPr>
-              <a:defRPr sz="1800"/>
-            </a:lvl8pPr>
-            <a:lvl9pPr>
-              <a:defRPr sz="1800"/>
-            </a:lvl9pPr>
-          </a:lstStyle>
-          <a:p>
-            <a:pPr lvl="0"/>
-            <a:r>
-              <a:rPr lang="pt-BR" smtClean="0"/>
-              <a:t>Clique para editar o texto mestre</a:t>
-            </a:r>
-          </a:p>
-          <a:p>
-            <a:pPr lvl="1"/>
-            <a:r>
-              <a:rPr lang="pt-BR" smtClean="0"/>
-              <a:t>Segundo nível</a:t>
-            </a:r>
-          </a:p>
-          <a:p>
-            <a:pPr lvl="2"/>
-            <a:r>
-              <a:rPr lang="pt-BR" smtClean="0"/>
-              <a:t>Terceiro nível</a:t>
-            </a:r>
-          </a:p>
-          <a:p>
-            <a:pPr lvl="3"/>
-            <a:r>
-              <a:rPr lang="pt-BR" smtClean="0"/>
-              <a:t>Quarto nível</a:t>
-            </a:r>
-          </a:p>
-          <a:p>
-            <a:pPr lvl="4"/>
-            <a:r>
-              <a:rPr lang="pt-BR" smtClean="0"/>
-              <a:t>Quinto nível</a:t>
-            </a:r>
-            <a:endParaRPr lang="en-US" dirty="0"/>
-          </a:p>
-        </p:txBody>
-      </p:sp>
-      <p:sp>
-        <p:nvSpPr>
-          <p:cNvPr id="5" name="Date Placeholder 4"/>
-          <p:cNvSpPr>
-            <a:spLocks noGrp="1"/>
-          </p:cNvSpPr>
-          <p:nvPr>
-            <p:ph type="dt" sz="half" idx="10"/>
-          </p:nvPr>
-        </p:nvSpPr>
-        <p:spPr/>
-        <p:txBody>
-          <a:bodyPr/>
           <a:lstStyle/>
           <a:p>
             <a:fld id="{48619ED3-62B8-4CE6-B63B-BBBB2D3553ED}" type="datetimeFigureOut">
               <a:rPr lang="pt-BR" smtClean="0"/>
-              <a:t>18/10/2016</a:t>
+              <a:t>20/10/2016</a:t>
             </a:fld>
             <a:endParaRPr lang="pt-BR"/>
           </a:p>
@@ -1382,6 +1481,63 @@
               <a:t>‹nº›</a:t>
             </a:fld>
             <a:endParaRPr lang="pt-BR"/>
+          </a:p>
+        </p:txBody>
+      </p:sp>
+      <p:sp>
+        <p:nvSpPr>
+          <p:cNvPr id="9" name="Content Placeholder 8"/>
+          <p:cNvSpPr>
+            <a:spLocks noGrp="1"/>
+          </p:cNvSpPr>
+          <p:nvPr>
+            <p:ph sz="quarter" idx="13"/>
+          </p:nvPr>
+        </p:nvSpPr>
+        <p:spPr>
+          <a:xfrm>
+            <a:off x="365760" y="1600200"/>
+            <a:ext cx="4041648" cy="4526280"/>
+          </a:xfrm>
+        </p:spPr>
+        <p:txBody>
+          <a:bodyPr/>
+          <a:lstStyle/>
+          <a:p>
+            <a:pPr lvl="0"/>
+            <a:r>
+              <a:rPr lang="pt-BR" smtClean="0"/>
+              <a:t>Clique para editar o texto mestre</a:t>
+            </a:r>
+          </a:p>
+          <a:p>
+            <a:pPr lvl="1"/>
+            <a:r>
+              <a:rPr lang="pt-BR" smtClean="0"/>
+              <a:t>Segundo nível</a:t>
+            </a:r>
+          </a:p>
+          <a:p>
+            <a:pPr lvl="2"/>
+            <a:r>
+              <a:rPr lang="pt-BR" smtClean="0"/>
+              <a:t>Terceiro nível</a:t>
+            </a:r>
+          </a:p>
+          <a:p>
+            <a:pPr lvl="3"/>
+            <a:r>
+              <a:rPr lang="pt-BR" smtClean="0"/>
+              <a:t>Quarto nível</a:t>
+            </a:r>
+          </a:p>
+          <a:p>
+            <a:pPr lvl="4"/>
+            <a:r>
+              <a:rPr lang="pt-BR" smtClean="0"/>
+              <a:t>Quinto nível</a:t>
+            </a:r>
+            <a:endParaRPr lang="en-US"/>
           </a:p>
         </p:txBody>
       </p:sp>
@@ -1449,8 +1605,8 @@
         </p:nvSpPr>
         <p:spPr>
           <a:xfrm>
-            <a:off x="457200" y="1535113"/>
-            <a:ext cx="3657600" cy="639762"/>
+            <a:off x="457200" y="1600200"/>
+            <a:ext cx="4040188" cy="609600"/>
           </a:xfrm>
         </p:spPr>
         <p:txBody>
@@ -1460,11 +1616,7 @@
           <a:lstStyle>
             <a:lvl1pPr marL="0" indent="0" algn="ctr">
               <a:buNone/>
-              <a:defRPr sz="2000" b="1">
-                <a:solidFill>
-                  <a:schemeClr val="tx2"/>
-                </a:solidFill>
-              </a:defRPr>
+              <a:defRPr sz="2400" b="0"/>
             </a:lvl1pPr>
             <a:lvl2pPr marL="457200" indent="0">
               <a:buNone/>
@@ -1510,103 +1662,18 @@
       </p:sp>
       <p:sp>
         <p:nvSpPr>
-          <p:cNvPr id="4" name="Content Placeholder 3"/>
-          <p:cNvSpPr>
-            <a:spLocks noGrp="1"/>
-          </p:cNvSpPr>
-          <p:nvPr>
-            <p:ph sz="half" idx="2"/>
+          <p:cNvPr id="5" name="Text Placeholder 4"/>
+          <p:cNvSpPr>
+            <a:spLocks noGrp="1"/>
+          </p:cNvSpPr>
+          <p:nvPr>
+            <p:ph type="body" sz="quarter" idx="3"/>
           </p:nvPr>
         </p:nvSpPr>
         <p:spPr>
           <a:xfrm>
-            <a:off x="457200" y="2174875"/>
-            <a:ext cx="3657600" cy="3951288"/>
-          </a:xfrm>
-        </p:spPr>
-        <p:txBody>
-          <a:bodyPr/>
-          <a:lstStyle>
-            <a:lvl1pPr>
-              <a:defRPr sz="2400"/>
-            </a:lvl1pPr>
-            <a:lvl2pPr>
-              <a:defRPr sz="2000"/>
-            </a:lvl2pPr>
-            <a:lvl3pPr>
-              <a:defRPr sz="1800"/>
-            </a:lvl3pPr>
-            <a:lvl4pPr>
-              <a:defRPr sz="1600"/>
-            </a:lvl4pPr>
-            <a:lvl5pPr>
-              <a:defRPr sz="1600"/>
-            </a:lvl5pPr>
-            <a:lvl6pPr>
-              <a:defRPr sz="1600"/>
-            </a:lvl6pPr>
-            <a:lvl7pPr>
-              <a:defRPr sz="1600"/>
-            </a:lvl7pPr>
-            <a:lvl8pPr>
-              <a:defRPr sz="1600"/>
-            </a:lvl8pPr>
-            <a:lvl9pPr>
-              <a:defRPr sz="1600"/>
-            </a:lvl9pPr>
-          </a:lstStyle>
-          <a:p>
-            <a:pPr lvl="0"/>
-            <a:r>
-              <a:rPr lang="pt-BR" smtClean="0"/>
-              <a:t>Clique para editar o texto mestre</a:t>
-            </a:r>
-          </a:p>
-          <a:p>
-            <a:pPr lvl="1"/>
-            <a:r>
-              <a:rPr lang="pt-BR" smtClean="0"/>
-              <a:t>Segundo nível</a:t>
-            </a:r>
-          </a:p>
-          <a:p>
-            <a:pPr lvl="2"/>
-            <a:r>
-              <a:rPr lang="pt-BR" smtClean="0"/>
-              <a:t>Terceiro nível</a:t>
-            </a:r>
-          </a:p>
-          <a:p>
-            <a:pPr lvl="3"/>
-            <a:r>
-              <a:rPr lang="pt-BR" smtClean="0"/>
-              <a:t>Quarto nível</a:t>
-            </a:r>
-          </a:p>
-          <a:p>
-            <a:pPr lvl="4"/>
-            <a:r>
-              <a:rPr lang="pt-BR" smtClean="0"/>
-              <a:t>Quinto nível</a:t>
-            </a:r>
-            <a:endParaRPr lang="en-US" dirty="0"/>
-          </a:p>
-        </p:txBody>
-      </p:sp>
-      <p:sp>
-        <p:nvSpPr>
-          <p:cNvPr id="5" name="Text Placeholder 4"/>
-          <p:cNvSpPr>
-            <a:spLocks noGrp="1"/>
-          </p:cNvSpPr>
-          <p:nvPr>
-            <p:ph type="body" sz="quarter" idx="3"/>
-          </p:nvPr>
-        </p:nvSpPr>
-        <p:spPr>
-          <a:xfrm>
-            <a:off x="4419600" y="1535113"/>
-            <a:ext cx="3657600" cy="639762"/>
+            <a:off x="4648200" y="1600200"/>
+            <a:ext cx="4041775" cy="609600"/>
           </a:xfrm>
         </p:spPr>
         <p:txBody>
@@ -1616,11 +1683,7 @@
           <a:lstStyle>
             <a:lvl1pPr marL="0" indent="0" algn="ctr">
               <a:buNone/>
-              <a:defRPr sz="2000" b="1">
-                <a:solidFill>
-                  <a:schemeClr val="tx2"/>
-                </a:solidFill>
-              </a:defRPr>
+              <a:defRPr sz="2400" b="0"/>
             </a:lvl1pPr>
             <a:lvl2pPr marL="457200" indent="0">
               <a:buNone/>
@@ -1666,107 +1729,22 @@
       </p:sp>
       <p:sp>
         <p:nvSpPr>
-          <p:cNvPr id="6" name="Content Placeholder 5"/>
-          <p:cNvSpPr>
-            <a:spLocks noGrp="1"/>
-          </p:cNvSpPr>
-          <p:nvPr>
-            <p:ph sz="quarter" idx="4"/>
-          </p:nvPr>
-        </p:nvSpPr>
-        <p:spPr>
-          <a:xfrm>
-            <a:off x="4419600" y="2174875"/>
-            <a:ext cx="3657600" cy="3951288"/>
-          </a:xfrm>
-        </p:spPr>
+          <p:cNvPr id="7" name="Date Placeholder 6"/>
+          <p:cNvSpPr>
+            <a:spLocks noGrp="1"/>
+          </p:cNvSpPr>
+          <p:nvPr>
+            <p:ph type="dt" sz="half" idx="10"/>
+          </p:nvPr>
+        </p:nvSpPr>
+        <p:spPr/>
         <p:txBody>
           <a:bodyPr/>
-          <a:lstStyle>
-            <a:lvl1pPr>
-              <a:defRPr sz="2400"/>
-            </a:lvl1pPr>
-            <a:lvl2pPr>
-              <a:defRPr sz="2000"/>
-            </a:lvl2pPr>
-            <a:lvl3pPr>
-              <a:defRPr sz="1800"/>
-            </a:lvl3pPr>
-            <a:lvl4pPr>
-              <a:defRPr sz="1600"/>
-            </a:lvl4pPr>
-            <a:lvl5pPr>
-              <a:defRPr sz="1600"/>
-            </a:lvl5pPr>
-            <a:lvl6pPr>
-              <a:defRPr sz="1600"/>
-            </a:lvl6pPr>
-            <a:lvl7pPr>
-              <a:defRPr sz="1600"/>
-            </a:lvl7pPr>
-            <a:lvl8pPr>
-              <a:defRPr sz="1600"/>
-            </a:lvl8pPr>
-            <a:lvl9pPr>
-              <a:defRPr sz="1600"/>
-            </a:lvl9pPr>
-          </a:lstStyle>
-          <a:p>
-            <a:pPr lvl="0"/>
-            <a:r>
-              <a:rPr lang="pt-BR" smtClean="0"/>
-              <a:t>Clique para editar o texto mestre</a:t>
-            </a:r>
-          </a:p>
-          <a:p>
-            <a:pPr lvl="1"/>
-            <a:r>
-              <a:rPr lang="pt-BR" smtClean="0"/>
-              <a:t>Segundo nível</a:t>
-            </a:r>
-          </a:p>
-          <a:p>
-            <a:pPr lvl="2"/>
-            <a:r>
-              <a:rPr lang="pt-BR" smtClean="0"/>
-              <a:t>Terceiro nível</a:t>
-            </a:r>
-          </a:p>
-          <a:p>
-            <a:pPr lvl="3"/>
-            <a:r>
-              <a:rPr lang="pt-BR" smtClean="0"/>
-              <a:t>Quarto nível</a:t>
-            </a:r>
-          </a:p>
-          <a:p>
-            <a:pPr lvl="4"/>
-            <a:r>
-              <a:rPr lang="pt-BR" smtClean="0"/>
-              <a:t>Quinto nível</a:t>
-            </a:r>
-            <a:endParaRPr lang="en-US"/>
-          </a:p>
-        </p:txBody>
-      </p:sp>
-      <p:sp>
-        <p:nvSpPr>
-          <p:cNvPr id="7" name="Date Placeholder 6"/>
-          <p:cNvSpPr>
-            <a:spLocks noGrp="1"/>
-          </p:cNvSpPr>
-          <p:nvPr>
-            <p:ph type="dt" sz="half" idx="10"/>
-          </p:nvPr>
-        </p:nvSpPr>
-        <p:spPr/>
-        <p:txBody>
-          <a:bodyPr/>
           <a:lstStyle/>
           <a:p>
             <a:fld id="{48619ED3-62B8-4CE6-B63B-BBBB2D3553ED}" type="datetimeFigureOut">
               <a:rPr lang="pt-BR" smtClean="0"/>
-              <a:t>18/10/2016</a:t>
+              <a:t>20/10/2016</a:t>
             </a:fld>
             <a:endParaRPr lang="pt-BR"/>
           </a:p>
@@ -1811,6 +1789,120 @@
               <a:t>‹nº›</a:t>
             </a:fld>
             <a:endParaRPr lang="pt-BR"/>
+          </a:p>
+        </p:txBody>
+      </p:sp>
+      <p:sp>
+        <p:nvSpPr>
+          <p:cNvPr id="11" name="Content Placeholder 10"/>
+          <p:cNvSpPr>
+            <a:spLocks noGrp="1"/>
+          </p:cNvSpPr>
+          <p:nvPr>
+            <p:ph sz="quarter" idx="13"/>
+          </p:nvPr>
+        </p:nvSpPr>
+        <p:spPr>
+          <a:xfrm>
+            <a:off x="457200" y="2212848"/>
+            <a:ext cx="4041648" cy="3913632"/>
+          </a:xfrm>
+        </p:spPr>
+        <p:txBody>
+          <a:bodyPr/>
+          <a:lstStyle/>
+          <a:p>
+            <a:pPr lvl="0"/>
+            <a:r>
+              <a:rPr lang="pt-BR" smtClean="0"/>
+              <a:t>Clique para editar o texto mestre</a:t>
+            </a:r>
+          </a:p>
+          <a:p>
+            <a:pPr lvl="1"/>
+            <a:r>
+              <a:rPr lang="pt-BR" smtClean="0"/>
+              <a:t>Segundo nível</a:t>
+            </a:r>
+          </a:p>
+          <a:p>
+            <a:pPr lvl="2"/>
+            <a:r>
+              <a:rPr lang="pt-BR" smtClean="0"/>
+              <a:t>Terceiro nível</a:t>
+            </a:r>
+          </a:p>
+          <a:p>
+            <a:pPr lvl="3"/>
+            <a:r>
+              <a:rPr lang="pt-BR" smtClean="0"/>
+              <a:t>Quarto nível</a:t>
+            </a:r>
+          </a:p>
+          <a:p>
+            <a:pPr lvl="4"/>
+            <a:r>
+              <a:rPr lang="pt-BR" smtClean="0"/>
+              <a:t>Quinto nível</a:t>
+            </a:r>
+            <a:endParaRPr lang="en-US" dirty="0"/>
+          </a:p>
+        </p:txBody>
+      </p:sp>
+      <p:sp>
+        <p:nvSpPr>
+          <p:cNvPr id="13" name="Content Placeholder 12"/>
+          <p:cNvSpPr>
+            <a:spLocks noGrp="1"/>
+          </p:cNvSpPr>
+          <p:nvPr>
+            <p:ph sz="quarter" idx="14"/>
+          </p:nvPr>
+        </p:nvSpPr>
+        <p:spPr>
+          <a:xfrm>
+            <a:off x="4672584" y="2212848"/>
+            <a:ext cx="4041648" cy="3913187"/>
+          </a:xfrm>
+        </p:spPr>
+        <p:txBody>
+          <a:bodyPr/>
+          <a:lstStyle/>
+          <a:p>
+            <a:pPr lvl="0"/>
+            <a:r>
+              <a:rPr lang="pt-BR" smtClean="0"/>
+              <a:t>Clique para editar o texto mestre</a:t>
+            </a:r>
+          </a:p>
+          <a:p>
+            <a:pPr lvl="1"/>
+            <a:r>
+              <a:rPr lang="pt-BR" smtClean="0"/>
+              <a:t>Segundo nível</a:t>
+            </a:r>
+          </a:p>
+          <a:p>
+            <a:pPr lvl="2"/>
+            <a:r>
+              <a:rPr lang="pt-BR" smtClean="0"/>
+              <a:t>Terceiro nível</a:t>
+            </a:r>
+          </a:p>
+          <a:p>
+            <a:pPr lvl="3"/>
+            <a:r>
+              <a:rPr lang="pt-BR" smtClean="0"/>
+              <a:t>Quarto nível</a:t>
+            </a:r>
+          </a:p>
+          <a:p>
+            <a:pPr lvl="4"/>
+            <a:r>
+              <a:rPr lang="pt-BR" smtClean="0"/>
+              <a:t>Quinto nível</a:t>
+            </a:r>
+            <a:endParaRPr lang="en-US" dirty="0"/>
           </a:p>
         </p:txBody>
       </p:sp>
@@ -1858,7 +1950,7 @@
               <a:rPr lang="pt-BR" smtClean="0"/>
               <a:t>Clique para editar o título mestre</a:t>
             </a:r>
-            <a:endParaRPr lang="en-US"/>
+            <a:endParaRPr lang="en-US" dirty="0"/>
           </a:p>
         </p:txBody>
       </p:sp>
@@ -1879,7 +1971,7 @@
           <a:p>
             <a:fld id="{48619ED3-62B8-4CE6-B63B-BBBB2D3553ED}" type="datetimeFigureOut">
               <a:rPr lang="pt-BR" smtClean="0"/>
-              <a:t>18/10/2016</a:t>
+              <a:t>20/10/2016</a:t>
             </a:fld>
             <a:endParaRPr lang="pt-BR"/>
           </a:p>
@@ -1969,7 +2061,7 @@
           <a:p>
             <a:fld id="{48619ED3-62B8-4CE6-B63B-BBBB2D3553ED}" type="datetimeFigureOut">
               <a:rPr lang="pt-BR" smtClean="0"/>
-              <a:t>18/10/2016</a:t>
+              <a:t>20/10/2016</a:t>
             </a:fld>
             <a:endParaRPr lang="pt-BR"/>
           </a:p>
@@ -2054,15 +2146,26 @@
         </p:nvSpPr>
         <p:spPr>
           <a:xfrm>
-            <a:off x="304801" y="5495544"/>
-            <a:ext cx="7772400" cy="594360"/>
+            <a:off x="5907087" y="266700"/>
+            <a:ext cx="3008313" cy="2095500"/>
           </a:xfrm>
         </p:spPr>
         <p:txBody>
           <a:bodyPr anchor="b"/>
           <a:lstStyle>
             <a:lvl1pPr algn="ctr">
-              <a:defRPr sz="2200" b="1"/>
+              <a:lnSpc>
+                <a:spcPct val="100000"/>
+              </a:lnSpc>
+              <a:defRPr sz="2800" b="0">
+                <a:effectLst>
+                  <a:outerShdw blurRad="50800" dist="25400" dir="5400000" algn="t" rotWithShape="0">
+                    <a:prstClr val="black">
+                      <a:alpha val="25000"/>
+                    </a:prstClr>
+                  </a:outerShdw>
+                </a:effectLst>
+              </a:defRPr>
             </a:lvl1pPr>
           </a:lstStyle>
           <a:p>
@@ -2076,18 +2179,103 @@
       </p:sp>
       <p:sp>
         <p:nvSpPr>
-          <p:cNvPr id="4" name="Text Placeholder 3"/>
-          <p:cNvSpPr>
-            <a:spLocks noGrp="1"/>
-          </p:cNvSpPr>
-          <p:nvPr>
-            <p:ph type="body" sz="half" idx="2"/>
+          <p:cNvPr id="3" name="Content Placeholder 2"/>
+          <p:cNvSpPr>
+            <a:spLocks noGrp="1"/>
+          </p:cNvSpPr>
+          <p:nvPr>
+            <p:ph idx="1"/>
           </p:nvPr>
         </p:nvSpPr>
         <p:spPr>
           <a:xfrm>
-            <a:off x="304799" y="6096000"/>
-            <a:ext cx="7772401" cy="609600"/>
+            <a:off x="719137" y="273050"/>
+            <a:ext cx="4995863" cy="5853113"/>
+          </a:xfrm>
+        </p:spPr>
+        <p:txBody>
+          <a:bodyPr/>
+          <a:lstStyle>
+            <a:lvl1pPr>
+              <a:defRPr sz="3200"/>
+            </a:lvl1pPr>
+            <a:lvl2pPr>
+              <a:defRPr sz="2800"/>
+            </a:lvl2pPr>
+            <a:lvl3pPr>
+              <a:defRPr sz="2400"/>
+            </a:lvl3pPr>
+            <a:lvl4pPr>
+              <a:defRPr sz="2000"/>
+            </a:lvl4pPr>
+            <a:lvl5pPr>
+              <a:defRPr sz="2000"/>
+            </a:lvl5pPr>
+            <a:lvl6pPr>
+              <a:defRPr sz="2000"/>
+            </a:lvl6pPr>
+            <a:lvl7pPr>
+              <a:defRPr sz="2000"/>
+            </a:lvl7pPr>
+            <a:lvl8pPr>
+              <a:defRPr sz="2000"/>
+            </a:lvl8pPr>
+            <a:lvl9pPr>
+              <a:defRPr sz="2000"/>
+            </a:lvl9pPr>
+          </a:lstStyle>
+          <a:p>
+            <a:pPr lvl="0"/>
+            <a:r>
+              <a:rPr lang="pt-BR" smtClean="0"/>
+              <a:t>Clique para editar o texto mestre</a:t>
+            </a:r>
+          </a:p>
+          <a:p>
+            <a:pPr lvl="1"/>
+            <a:r>
+              <a:rPr lang="pt-BR" smtClean="0"/>
+              <a:t>Segundo nível</a:t>
+            </a:r>
+          </a:p>
+          <a:p>
+            <a:pPr lvl="2"/>
+            <a:r>
+              <a:rPr lang="pt-BR" smtClean="0"/>
+              <a:t>Terceiro nível</a:t>
+            </a:r>
+          </a:p>
+          <a:p>
+            <a:pPr lvl="3"/>
+            <a:r>
+              <a:rPr lang="pt-BR" smtClean="0"/>
+              <a:t>Quarto nível</a:t>
+            </a:r>
+          </a:p>
+          <a:p>
+            <a:pPr lvl="4"/>
+            <a:r>
+              <a:rPr lang="pt-BR" smtClean="0"/>
+              <a:t>Quinto nível</a:t>
+            </a:r>
+            <a:endParaRPr lang="en-US" dirty="0"/>
+          </a:p>
+        </p:txBody>
+      </p:sp>
+      <p:sp>
+        <p:nvSpPr>
+          <p:cNvPr id="4" name="Text Placeholder 3"/>
+          <p:cNvSpPr>
+            <a:spLocks noGrp="1"/>
+          </p:cNvSpPr>
+          <p:nvPr>
+            <p:ph type="body" sz="half" idx="2"/>
+          </p:nvPr>
+        </p:nvSpPr>
+        <p:spPr>
+          <a:xfrm>
+            <a:off x="5907087" y="2438400"/>
+            <a:ext cx="3008313" cy="3687763"/>
           </a:xfrm>
         </p:spPr>
         <p:txBody>
@@ -2096,6 +2284,9 @@
           </a:bodyPr>
           <a:lstStyle>
             <a:lvl1pPr marL="0" indent="0" algn="ctr">
+              <a:lnSpc>
+                <a:spcPct val="125000"/>
+              </a:lnSpc>
               <a:buNone/>
               <a:defRPr sz="1600"/>
             </a:lvl1pPr>
@@ -2158,7 +2349,7 @@
           <a:p>
             <a:fld id="{48619ED3-62B8-4CE6-B63B-BBBB2D3553ED}" type="datetimeFigureOut">
               <a:rPr lang="pt-BR" smtClean="0"/>
-              <a:t>18/10/2016</a:t>
+              <a:t>20/10/2016</a:t>
             </a:fld>
             <a:endParaRPr lang="pt-BR"/>
           </a:p>
@@ -2203,63 +2394,6 @@
               <a:t>‹nº›</a:t>
             </a:fld>
             <a:endParaRPr lang="pt-BR"/>
-          </a:p>
-        </p:txBody>
-      </p:sp>
-      <p:sp>
-        <p:nvSpPr>
-          <p:cNvPr id="9" name="Content Placeholder 8"/>
-          <p:cNvSpPr>
-            <a:spLocks noGrp="1"/>
-          </p:cNvSpPr>
-          <p:nvPr>
-            <p:ph sz="quarter" idx="13"/>
-          </p:nvPr>
-        </p:nvSpPr>
-        <p:spPr>
-          <a:xfrm>
-            <a:off x="304800" y="381000"/>
-            <a:ext cx="7772400" cy="4942840"/>
-          </a:xfrm>
-        </p:spPr>
-        <p:txBody>
-          <a:bodyPr/>
-          <a:lstStyle/>
-          <a:p>
-            <a:pPr lvl="0"/>
-            <a:r>
-              <a:rPr lang="pt-BR" smtClean="0"/>
-              <a:t>Clique para editar o texto mestre</a:t>
-            </a:r>
-          </a:p>
-          <a:p>
-            <a:pPr lvl="1"/>
-            <a:r>
-              <a:rPr lang="pt-BR" smtClean="0"/>
-              <a:t>Segundo nível</a:t>
-            </a:r>
-          </a:p>
-          <a:p>
-            <a:pPr lvl="2"/>
-            <a:r>
-              <a:rPr lang="pt-BR" smtClean="0"/>
-              <a:t>Terceiro nível</a:t>
-            </a:r>
-          </a:p>
-          <a:p>
-            <a:pPr lvl="3"/>
-            <a:r>
-              <a:rPr lang="pt-BR" smtClean="0"/>
-              <a:t>Quarto nível</a:t>
-            </a:r>
-          </a:p>
-          <a:p>
-            <a:pPr lvl="4"/>
-            <a:r>
-              <a:rPr lang="pt-BR" smtClean="0"/>
-              <a:t>Quinto nível</a:t>
-            </a:r>
-            <a:endParaRPr lang="en-US"/>
           </a:p>
         </p:txBody>
       </p:sp>
@@ -2300,22 +2434,18 @@
         </p:nvSpPr>
         <p:spPr>
           <a:xfrm>
-            <a:off x="301752" y="5495278"/>
-            <a:ext cx="7772400" cy="594626"/>
+            <a:off x="1679576" y="228600"/>
+            <a:ext cx="5711824" cy="895350"/>
           </a:xfrm>
         </p:spPr>
         <p:txBody>
           <a:bodyPr anchor="b"/>
           <a:lstStyle>
             <a:lvl1pPr algn="ctr">
-              <a:defRPr sz="2200" b="1">
-                <a:ln>
-                  <a:noFill/>
-                </a:ln>
-                <a:solidFill>
-                  <a:schemeClr val="tx2"/>
-                </a:solidFill>
-              </a:defRPr>
+              <a:lnSpc>
+                <a:spcPct val="100000"/>
+              </a:lnSpc>
+              <a:defRPr sz="2800" b="0"/>
             </a:lvl1pPr>
           </a:lstStyle>
           <a:p>
@@ -2339,14 +2469,26 @@
         </p:nvSpPr>
         <p:spPr>
           <a:xfrm>
-            <a:off x="0" y="0"/>
-            <a:ext cx="8458200" cy="5486400"/>
+            <a:off x="1508126" y="1143000"/>
+            <a:ext cx="6054724" cy="4541044"/>
           </a:xfrm>
+          <a:ln w="76200">
+            <a:solidFill>
+              <a:schemeClr val="bg1"/>
+            </a:solidFill>
+          </a:ln>
+          <a:effectLst>
+            <a:outerShdw blurRad="88900" dist="50800" dir="5400000" algn="ctr" rotWithShape="0">
+              <a:srgbClr val="000000">
+                <a:alpha val="25000"/>
+              </a:srgbClr>
+            </a:outerShdw>
+          </a:effectLst>
         </p:spPr>
         <p:txBody>
-          <a:bodyPr/>
+          <a:bodyPr anchor="t"/>
           <a:lstStyle>
-            <a:lvl1pPr marL="0" indent="0">
+            <a:lvl1pPr marL="0" indent="0" algn="ctr">
               <a:buNone/>
               <a:defRPr sz="3200"/>
             </a:lvl1pPr>
@@ -2404,8 +2546,8 @@
         </p:nvSpPr>
         <p:spPr>
           <a:xfrm>
-            <a:off x="301752" y="6096000"/>
-            <a:ext cx="7772400" cy="612648"/>
+            <a:off x="1679576" y="5810250"/>
+            <a:ext cx="5711824" cy="533400"/>
           </a:xfrm>
         </p:spPr>
         <p:txBody>
@@ -2461,7 +2603,7 @@
       </p:sp>
       <p:sp>
         <p:nvSpPr>
-          <p:cNvPr id="8" name="Date Placeholder 7"/>
+          <p:cNvPr id="5" name="Date Placeholder 4"/>
           <p:cNvSpPr>
             <a:spLocks noGrp="1"/>
           </p:cNvSpPr>
@@ -2476,7 +2618,7 @@
           <a:p>
             <a:fld id="{48619ED3-62B8-4CE6-B63B-BBBB2D3553ED}" type="datetimeFigureOut">
               <a:rPr lang="pt-BR" smtClean="0"/>
-              <a:t>18/10/2016</a:t>
+              <a:t>20/10/2016</a:t>
             </a:fld>
             <a:endParaRPr lang="pt-BR"/>
           </a:p>
@@ -2484,12 +2626,31 @@
       </p:sp>
       <p:sp>
         <p:nvSpPr>
-          <p:cNvPr id="9" name="Slide Number Placeholder 8"/>
-          <p:cNvSpPr>
-            <a:spLocks noGrp="1"/>
-          </p:cNvSpPr>
-          <p:nvPr>
-            <p:ph type="sldNum" sz="quarter" idx="11"/>
+          <p:cNvPr id="6" name="Footer Placeholder 5"/>
+          <p:cNvSpPr>
+            <a:spLocks noGrp="1"/>
+          </p:cNvSpPr>
+          <p:nvPr>
+            <p:ph type="ftr" sz="quarter" idx="11"/>
+          </p:nvPr>
+        </p:nvSpPr>
+        <p:spPr/>
+        <p:txBody>
+          <a:bodyPr/>
+          <a:lstStyle/>
+          <a:p>
+            <a:endParaRPr lang="pt-BR"/>
+          </a:p>
+        </p:txBody>
+      </p:sp>
+      <p:sp>
+        <p:nvSpPr>
+          <p:cNvPr id="7" name="Slide Number Placeholder 6"/>
+          <p:cNvSpPr>
+            <a:spLocks noGrp="1"/>
+          </p:cNvSpPr>
+          <p:nvPr>
+            <p:ph type="sldNum" sz="quarter" idx="12"/>
           </p:nvPr>
         </p:nvSpPr>
         <p:spPr/>
@@ -2501,25 +2662,6 @@
               <a:rPr lang="pt-BR" smtClean="0"/>
               <a:t>‹nº›</a:t>
             </a:fld>
-            <a:endParaRPr lang="pt-BR"/>
-          </a:p>
-        </p:txBody>
-      </p:sp>
-      <p:sp>
-        <p:nvSpPr>
-          <p:cNvPr id="10" name="Footer Placeholder 9"/>
-          <p:cNvSpPr>
-            <a:spLocks noGrp="1"/>
-          </p:cNvSpPr>
-          <p:nvPr>
-            <p:ph type="ftr" sz="quarter" idx="12"/>
-          </p:nvPr>
-        </p:nvSpPr>
-        <p:spPr/>
-        <p:txBody>
-          <a:bodyPr/>
-          <a:lstStyle/>
-          <a:p>
             <a:endParaRPr lang="pt-BR"/>
           </a:p>
         </p:txBody>
@@ -2566,15 +2708,15 @@
         </p:nvSpPr>
         <p:spPr>
           <a:xfrm>
-            <a:off x="457200" y="274638"/>
-            <a:ext cx="7620000" cy="1143000"/>
+            <a:off x="457200" y="0"/>
+            <a:ext cx="8229600" cy="1600200"/>
           </a:xfrm>
           <a:prstGeom prst="rect">
             <a:avLst/>
           </a:prstGeom>
         </p:spPr>
         <p:txBody>
-          <a:bodyPr vert="horz" lIns="91440" tIns="45720" rIns="91440" bIns="45720" rtlCol="0" anchor="ctr">
+          <a:bodyPr vert="horz" lIns="91440" tIns="45720" rIns="91440" bIns="45720" rtlCol="0" anchor="b">
             <a:noAutofit/>
           </a:bodyPr>
           <a:lstStyle/>
@@ -2600,7 +2742,7 @@
         <p:spPr>
           <a:xfrm>
             <a:off x="457200" y="1600200"/>
-            <a:ext cx="7620000" cy="4800600"/>
+            <a:ext cx="8229600" cy="4525963"/>
           </a:xfrm>
           <a:prstGeom prst="rect">
             <a:avLst/>
@@ -2645,30 +2787,159 @@
               <a:rPr lang="pt-BR" smtClean="0"/>
               <a:t>Quinto nível</a:t>
             </a:r>
-            <a:endParaRPr lang="en-US" dirty="0"/>
-          </a:p>
-        </p:txBody>
-      </p:sp>
-      <p:sp>
-        <p:nvSpPr>
-          <p:cNvPr id="7" name="Rectangle 6"/>
-          <p:cNvSpPr/>
-          <p:nvPr/>
+            <a:endParaRPr lang="en-US" dirty="0" smtClean="0"/>
+          </a:p>
+        </p:txBody>
+      </p:sp>
+      <p:sp>
+        <p:nvSpPr>
+          <p:cNvPr id="4" name="Date Placeholder 3"/>
+          <p:cNvSpPr>
+            <a:spLocks noGrp="1"/>
+          </p:cNvSpPr>
+          <p:nvPr>
+            <p:ph type="dt" sz="half" idx="2"/>
+          </p:nvPr>
         </p:nvSpPr>
         <p:spPr>
           <a:xfrm>
-            <a:off x="8458200" y="0"/>
-            <a:ext cx="685800" cy="6858000"/>
+            <a:off x="6363347" y="6356350"/>
+            <a:ext cx="2085975" cy="365125"/>
           </a:xfrm>
           <a:prstGeom prst="rect">
             <a:avLst/>
           </a:prstGeom>
+        </p:spPr>
+        <p:txBody>
+          <a:bodyPr vert="horz" lIns="91440" tIns="45720" rIns="45720" bIns="45720" rtlCol="0" anchor="ctr"/>
+          <a:lstStyle>
+            <a:lvl1pPr algn="r">
+              <a:defRPr sz="1200">
+                <a:solidFill>
+                  <a:schemeClr val="tx1">
+                    <a:lumMod val="65000"/>
+                    <a:lumOff val="35000"/>
+                  </a:schemeClr>
+                </a:solidFill>
+                <a:latin typeface="Century Gothic" pitchFamily="34" charset="0"/>
+              </a:defRPr>
+            </a:lvl1pPr>
+          </a:lstStyle>
+          <a:p>
+            <a:fld id="{48619ED3-62B8-4CE6-B63B-BBBB2D3553ED}" type="datetimeFigureOut">
+              <a:rPr lang="pt-BR" smtClean="0"/>
+              <a:t>20/10/2016</a:t>
+            </a:fld>
+            <a:endParaRPr lang="pt-BR"/>
+          </a:p>
+        </p:txBody>
+      </p:sp>
+      <p:sp>
+        <p:nvSpPr>
+          <p:cNvPr id="5" name="Footer Placeholder 4"/>
+          <p:cNvSpPr>
+            <a:spLocks noGrp="1"/>
+          </p:cNvSpPr>
+          <p:nvPr>
+            <p:ph type="ftr" sz="quarter" idx="3"/>
+          </p:nvPr>
+        </p:nvSpPr>
+        <p:spPr>
+          <a:xfrm>
+            <a:off x="659165" y="6356350"/>
+            <a:ext cx="2847975" cy="365125"/>
+          </a:xfrm>
+          <a:prstGeom prst="rect">
+            <a:avLst/>
+          </a:prstGeom>
+        </p:spPr>
+        <p:txBody>
+          <a:bodyPr vert="horz" lIns="45720" tIns="45720" rIns="91440" bIns="45720" rtlCol="0" anchor="ctr"/>
+          <a:lstStyle>
+            <a:lvl1pPr algn="l">
+              <a:defRPr sz="1200">
+                <a:solidFill>
+                  <a:schemeClr val="tx1">
+                    <a:lumMod val="65000"/>
+                    <a:lumOff val="35000"/>
+                  </a:schemeClr>
+                </a:solidFill>
+                <a:latin typeface="Century Gothic" pitchFamily="34" charset="0"/>
+              </a:defRPr>
+            </a:lvl1pPr>
+          </a:lstStyle>
+          <a:p>
+            <a:endParaRPr lang="pt-BR"/>
+          </a:p>
+        </p:txBody>
+      </p:sp>
+      <p:sp>
+        <p:nvSpPr>
+          <p:cNvPr id="6" name="Slide Number Placeholder 5"/>
+          <p:cNvSpPr>
+            <a:spLocks noGrp="1"/>
+          </p:cNvSpPr>
+          <p:nvPr>
+            <p:ph type="sldNum" sz="quarter" idx="4"/>
+          </p:nvPr>
+        </p:nvSpPr>
+        <p:spPr>
+          <a:xfrm>
+            <a:off x="8543278" y="6356350"/>
+            <a:ext cx="561975" cy="365125"/>
+          </a:xfrm>
+          <a:prstGeom prst="rect">
+            <a:avLst/>
+          </a:prstGeom>
+        </p:spPr>
+        <p:txBody>
+          <a:bodyPr vert="horz" lIns="27432" tIns="45720" rIns="45720" bIns="45720" rtlCol="0" anchor="ctr"/>
+          <a:lstStyle>
+            <a:lvl1pPr algn="l">
+              <a:defRPr sz="1200">
+                <a:solidFill>
+                  <a:schemeClr val="tx1">
+                    <a:lumMod val="65000"/>
+                    <a:lumOff val="35000"/>
+                  </a:schemeClr>
+                </a:solidFill>
+                <a:latin typeface="Century Gothic" pitchFamily="34" charset="0"/>
+              </a:defRPr>
+            </a:lvl1pPr>
+          </a:lstStyle>
+          <a:p>
+            <a:fld id="{3D44492D-446E-4A7D-9E80-4166255C7BFC}" type="slidenum">
+              <a:rPr lang="pt-BR" smtClean="0"/>
+              <a:t>‹nº›</a:t>
+            </a:fld>
+            <a:endParaRPr lang="pt-BR"/>
+          </a:p>
+        </p:txBody>
+      </p:sp>
+      <p:sp>
+        <p:nvSpPr>
+          <p:cNvPr id="7" name="Oval 6"/>
+          <p:cNvSpPr/>
+          <p:nvPr/>
+        </p:nvSpPr>
+        <p:spPr>
+          <a:xfrm>
+            <a:off x="8457760" y="6499384"/>
+            <a:ext cx="84772" cy="84772"/>
+          </a:xfrm>
+          <a:prstGeom prst="ellipse">
+            <a:avLst/>
+          </a:prstGeom>
           <a:solidFill>
-            <a:schemeClr val="tx2"/>
+            <a:schemeClr val="tx1">
+              <a:lumMod val="50000"/>
+              <a:lumOff val="50000"/>
+            </a:schemeClr>
           </a:solidFill>
-          <a:ln>
+          <a:ln w="12700">
             <a:noFill/>
           </a:ln>
+          <a:effectLst/>
         </p:spPr>
         <p:style>
           <a:lnRef idx="2">
@@ -2690,31 +2961,42 @@
           <a:bodyPr rtlCol="0" anchor="ctr"/>
           <a:lstStyle/>
           <a:p>
-            <a:pPr algn="ctr"/>
-            <a:endParaRPr lang="en-US"/>
-          </a:p>
-        </p:txBody>
-      </p:sp>
-      <p:sp>
-        <p:nvSpPr>
-          <p:cNvPr id="8" name="Rectangle 7"/>
+            <a:pPr marL="0" algn="ctr" defTabSz="914400" rtl="0" eaLnBrk="1" latinLnBrk="0" hangingPunct="1"/>
+            <a:endParaRPr lang="en-US" sz="1800" kern="1200">
+              <a:solidFill>
+                <a:schemeClr val="lt1"/>
+              </a:solidFill>
+              <a:latin typeface="+mn-lt"/>
+              <a:ea typeface="+mn-ea"/>
+              <a:cs typeface="+mn-cs"/>
+            </a:endParaRPr>
+          </a:p>
+        </p:txBody>
+      </p:sp>
+      <p:sp>
+        <p:nvSpPr>
+          <p:cNvPr id="8" name="Oval 7"/>
           <p:cNvSpPr/>
           <p:nvPr/>
         </p:nvSpPr>
         <p:spPr>
           <a:xfrm>
-            <a:off x="8458200" y="5486400"/>
-            <a:ext cx="685800" cy="685800"/>
+            <a:off x="569119" y="6499384"/>
+            <a:ext cx="84772" cy="84772"/>
           </a:xfrm>
-          <a:prstGeom prst="rect">
+          <a:prstGeom prst="ellipse">
             <a:avLst/>
           </a:prstGeom>
           <a:solidFill>
-            <a:schemeClr val="accent1"/>
+            <a:schemeClr val="tx1">
+              <a:lumMod val="50000"/>
+              <a:lumOff val="50000"/>
+            </a:schemeClr>
           </a:solidFill>
-          <a:ln>
+          <a:ln w="12700">
             <a:noFill/>
           </a:ln>
+          <a:effectLst/>
         </p:spPr>
         <p:style>
           <a:lnRef idx="2">
@@ -2741,322 +3023,208 @@
           </a:p>
         </p:txBody>
       </p:sp>
-      <p:sp>
-        <p:nvSpPr>
-          <p:cNvPr id="6" name="Slide Number Placeholder 5"/>
-          <p:cNvSpPr>
-            <a:spLocks noGrp="1"/>
-          </p:cNvSpPr>
-          <p:nvPr>
-            <p:ph type="sldNum" sz="quarter" idx="4"/>
-          </p:nvPr>
-        </p:nvSpPr>
-        <p:spPr>
-          <a:xfrm>
-            <a:off x="8531788" y="5648960"/>
-            <a:ext cx="548640" cy="396240"/>
-          </a:xfrm>
-          <a:prstGeom prst="bracketPair">
-            <a:avLst>
-              <a:gd name="adj" fmla="val 17949"/>
-            </a:avLst>
-          </a:prstGeom>
-          <a:ln w="19050">
-            <a:solidFill>
-              <a:srgbClr val="FFFFFF"/>
-            </a:solidFill>
-          </a:ln>
-        </p:spPr>
-        <p:txBody>
-          <a:bodyPr vert="horz" lIns="0" tIns="0" rIns="0" bIns="0" rtlCol="0" anchor="ctr"/>
-          <a:lstStyle>
-            <a:lvl1pPr algn="ctr">
-              <a:defRPr sz="1800">
-                <a:solidFill>
-                  <a:srgbClr val="FFFFFF"/>
-                </a:solidFill>
-              </a:defRPr>
-            </a:lvl1pPr>
-          </a:lstStyle>
-          <a:p>
-            <a:fld id="{3D44492D-446E-4A7D-9E80-4166255C7BFC}" type="slidenum">
-              <a:rPr lang="pt-BR" smtClean="0"/>
-              <a:t>‹nº›</a:t>
-            </a:fld>
-            <a:endParaRPr lang="pt-BR"/>
-          </a:p>
-        </p:txBody>
-      </p:sp>
-      <p:sp>
-        <p:nvSpPr>
-          <p:cNvPr id="5" name="Footer Placeholder 4"/>
-          <p:cNvSpPr>
-            <a:spLocks noGrp="1"/>
-          </p:cNvSpPr>
-          <p:nvPr>
-            <p:ph type="ftr" sz="quarter" idx="3"/>
-          </p:nvPr>
-        </p:nvSpPr>
-        <p:spPr>
-          <a:xfrm rot="16200000">
-            <a:off x="7586910" y="4048760"/>
-            <a:ext cx="2367281" cy="365760"/>
-          </a:xfrm>
-          <a:prstGeom prst="rect">
-            <a:avLst/>
-          </a:prstGeom>
-        </p:spPr>
-        <p:txBody>
-          <a:bodyPr vert="horz" lIns="91440" tIns="45720" rIns="91440" bIns="45720" rtlCol="0" anchor="ctr"/>
-          <a:lstStyle>
-            <a:lvl1pPr algn="r">
-              <a:defRPr sz="1200">
-                <a:solidFill>
-                  <a:schemeClr val="bg2"/>
-                </a:solidFill>
-              </a:defRPr>
-            </a:lvl1pPr>
-          </a:lstStyle>
-          <a:p>
-            <a:endParaRPr lang="pt-BR"/>
-          </a:p>
-        </p:txBody>
-      </p:sp>
-      <p:sp>
-        <p:nvSpPr>
-          <p:cNvPr id="4" name="Date Placeholder 3"/>
-          <p:cNvSpPr>
-            <a:spLocks noGrp="1"/>
-          </p:cNvSpPr>
-          <p:nvPr>
-            <p:ph type="dt" sz="half" idx="2"/>
-          </p:nvPr>
-        </p:nvSpPr>
-        <p:spPr>
-          <a:xfrm rot="16200000">
-            <a:off x="7551351" y="1645920"/>
-            <a:ext cx="2438399" cy="365760"/>
-          </a:xfrm>
-          <a:prstGeom prst="rect">
-            <a:avLst/>
-          </a:prstGeom>
-        </p:spPr>
-        <p:txBody>
-          <a:bodyPr vert="horz" lIns="91440" tIns="45720" rIns="91440" bIns="45720" rtlCol="0" anchor="ctr"/>
-          <a:lstStyle>
-            <a:lvl1pPr algn="l">
-              <a:defRPr sz="1200">
-                <a:solidFill>
-                  <a:schemeClr val="bg2"/>
-                </a:solidFill>
-              </a:defRPr>
-            </a:lvl1pPr>
-          </a:lstStyle>
-          <a:p>
-            <a:fld id="{48619ED3-62B8-4CE6-B63B-BBBB2D3553ED}" type="datetimeFigureOut">
-              <a:rPr lang="pt-BR" smtClean="0"/>
-              <a:t>18/10/2016</a:t>
-            </a:fld>
-            <a:endParaRPr lang="pt-BR"/>
-          </a:p>
-        </p:txBody>
-      </p:sp>
     </p:spTree>
   </p:cSld>
   <p:clrMap bg1="lt1" tx1="dk1" bg2="lt2" tx2="dk2" accent1="accent1" accent2="accent2" accent3="accent3" accent4="accent4" accent5="accent5" accent6="accent6" hlink="hlink" folHlink="folHlink"/>
   <p:sldLayoutIdLst>
-    <p:sldLayoutId id="2147483793" r:id="rId1"/>
-    <p:sldLayoutId id="2147483794" r:id="rId2"/>
-    <p:sldLayoutId id="2147483795" r:id="rId3"/>
-    <p:sldLayoutId id="2147483796" r:id="rId4"/>
-    <p:sldLayoutId id="2147483797" r:id="rId5"/>
-    <p:sldLayoutId id="2147483798" r:id="rId6"/>
-    <p:sldLayoutId id="2147483799" r:id="rId7"/>
-    <p:sldLayoutId id="2147483800" r:id="rId8"/>
-    <p:sldLayoutId id="2147483801" r:id="rId9"/>
-    <p:sldLayoutId id="2147483802" r:id="rId10"/>
-    <p:sldLayoutId id="2147483803" r:id="rId11"/>
+    <p:sldLayoutId id="2147484201" r:id="rId1"/>
+    <p:sldLayoutId id="2147484202" r:id="rId2"/>
+    <p:sldLayoutId id="2147484203" r:id="rId3"/>
+    <p:sldLayoutId id="2147484204" r:id="rId4"/>
+    <p:sldLayoutId id="2147484205" r:id="rId5"/>
+    <p:sldLayoutId id="2147484206" r:id="rId6"/>
+    <p:sldLayoutId id="2147484207" r:id="rId7"/>
+    <p:sldLayoutId id="2147484208" r:id="rId8"/>
+    <p:sldLayoutId id="2147484209" r:id="rId9"/>
+    <p:sldLayoutId id="2147484210" r:id="rId10"/>
+    <p:sldLayoutId id="2147484211" r:id="rId11"/>
   </p:sldLayoutIdLst>
   <p:txStyles>
     <p:titleStyle>
-      <a:lvl1pPr algn="l" defTabSz="914400" rtl="0" eaLnBrk="1" latinLnBrk="0" hangingPunct="1">
+      <a:lvl1pPr algn="ctr" defTabSz="914400" rtl="0" eaLnBrk="1" latinLnBrk="0" hangingPunct="1">
+        <a:lnSpc>
+          <a:spcPts val="5800"/>
+        </a:lnSpc>
         <a:spcBef>
           <a:spcPct val="0"/>
         </a:spcBef>
         <a:buNone/>
-        <a:defRPr sz="4600" kern="1200" cap="none" spc="-100" baseline="0">
-          <a:ln>
-            <a:noFill/>
-          </a:ln>
+        <a:defRPr sz="5400" kern="1200">
           <a:solidFill>
             <a:schemeClr val="tx2"/>
           </a:solidFill>
-          <a:effectLst/>
-          <a:latin typeface="+mj-lt"/>
+          <a:effectLst>
+            <a:outerShdw blurRad="63500" dist="38100" dir="5400000" algn="t" rotWithShape="0">
+              <a:prstClr val="black">
+                <a:alpha val="25000"/>
+              </a:prstClr>
+            </a:outerShdw>
+          </a:effectLst>
+          <a:latin typeface="+mn-lt"/>
           <a:ea typeface="+mj-ea"/>
           <a:cs typeface="+mj-cs"/>
         </a:defRPr>
       </a:lvl1pPr>
     </p:titleStyle>
     <p:bodyStyle>
-      <a:lvl1pPr marL="342900" indent="-228600" algn="l" defTabSz="914400" rtl="0" eaLnBrk="1" latinLnBrk="0" hangingPunct="1">
+      <a:lvl1pPr marL="342900" indent="-342900" algn="l" defTabSz="914400" rtl="0" eaLnBrk="1" latinLnBrk="0" hangingPunct="1">
         <a:spcBef>
           <a:spcPct val="20000"/>
         </a:spcBef>
-        <a:buClr>
-          <a:schemeClr val="accent1"/>
-        </a:buClr>
         <a:buFont typeface="Arial" pitchFamily="34" charset="0"/>
         <a:buChar char="•"/>
-        <a:defRPr sz="2200" kern="1200">
+        <a:defRPr sz="2400" kern="1200">
           <a:solidFill>
-            <a:schemeClr val="tx1"/>
+            <a:schemeClr val="tx1">
+              <a:lumMod val="50000"/>
+              <a:lumOff val="50000"/>
+            </a:schemeClr>
           </a:solidFill>
-          <a:latin typeface="+mn-lt"/>
+          <a:latin typeface="+mj-lt"/>
           <a:ea typeface="+mn-ea"/>
           <a:cs typeface="+mn-cs"/>
         </a:defRPr>
       </a:lvl1pPr>
-      <a:lvl2pPr marL="640080" indent="-228600" algn="l" defTabSz="914400" rtl="0" eaLnBrk="1" latinLnBrk="0" hangingPunct="1">
+      <a:lvl2pPr marL="742950" indent="-285750" algn="l" defTabSz="914400" rtl="0" eaLnBrk="1" latinLnBrk="0" hangingPunct="1">
         <a:spcBef>
           <a:spcPct val="20000"/>
         </a:spcBef>
-        <a:buClr>
-          <a:schemeClr val="accent2"/>
-        </a:buClr>
-        <a:buFont typeface="Arial" pitchFamily="34" charset="0"/>
-        <a:buChar char="•"/>
-        <a:defRPr sz="2000" kern="1200">
+        <a:buFont typeface="Courier New" pitchFamily="49" charset="0"/>
+        <a:buChar char="o"/>
+        <a:defRPr sz="1600" kern="1200">
           <a:solidFill>
-            <a:schemeClr val="tx1"/>
+            <a:schemeClr val="tx1">
+              <a:lumMod val="50000"/>
+              <a:lumOff val="50000"/>
+            </a:schemeClr>
           </a:solidFill>
-          <a:latin typeface="+mn-lt"/>
+          <a:latin typeface="+mj-lt"/>
           <a:ea typeface="+mn-ea"/>
           <a:cs typeface="+mn-cs"/>
         </a:defRPr>
       </a:lvl2pPr>
-      <a:lvl3pPr marL="1005840" indent="-228600" algn="l" defTabSz="914400" rtl="0" eaLnBrk="1" latinLnBrk="0" hangingPunct="1">
+      <a:lvl3pPr marL="1143000" indent="-228600" algn="l" defTabSz="914400" rtl="0" eaLnBrk="1" latinLnBrk="0" hangingPunct="1">
         <a:spcBef>
           <a:spcPct val="20000"/>
         </a:spcBef>
-        <a:buClr>
-          <a:schemeClr val="accent3"/>
-        </a:buClr>
         <a:buFont typeface="Arial" pitchFamily="34" charset="0"/>
         <a:buChar char="•"/>
-        <a:defRPr sz="1800" kern="1200">
+        <a:defRPr sz="1600" kern="1200">
           <a:solidFill>
-            <a:schemeClr val="tx1"/>
+            <a:schemeClr val="tx1">
+              <a:lumMod val="50000"/>
+              <a:lumOff val="50000"/>
+            </a:schemeClr>
           </a:solidFill>
-          <a:latin typeface="+mn-lt"/>
+          <a:latin typeface="+mj-lt"/>
           <a:ea typeface="+mn-ea"/>
           <a:cs typeface="+mn-cs"/>
         </a:defRPr>
       </a:lvl3pPr>
-      <a:lvl4pPr marL="1280160" indent="-228600" algn="l" defTabSz="914400" rtl="0" eaLnBrk="1" latinLnBrk="0" hangingPunct="1">
+      <a:lvl4pPr marL="1600200" indent="-228600" algn="l" defTabSz="914400" rtl="0" eaLnBrk="1" latinLnBrk="0" hangingPunct="1">
         <a:spcBef>
           <a:spcPct val="20000"/>
         </a:spcBef>
-        <a:buClr>
-          <a:schemeClr val="accent4"/>
-        </a:buClr>
+        <a:buFont typeface="Courier New" pitchFamily="49" charset="0"/>
+        <a:buChar char="o"/>
+        <a:defRPr sz="1600" kern="1200">
+          <a:solidFill>
+            <a:schemeClr val="tx1">
+              <a:lumMod val="50000"/>
+              <a:lumOff val="50000"/>
+            </a:schemeClr>
+          </a:solidFill>
+          <a:latin typeface="+mj-lt"/>
+          <a:ea typeface="+mn-ea"/>
+          <a:cs typeface="+mn-cs"/>
+        </a:defRPr>
+      </a:lvl4pPr>
+      <a:lvl5pPr marL="2057400" indent="-228600" algn="l" defTabSz="914400" rtl="0" eaLnBrk="1" latinLnBrk="0" hangingPunct="1">
+        <a:spcBef>
+          <a:spcPct val="20000"/>
+        </a:spcBef>
         <a:buFont typeface="Arial" pitchFamily="34" charset="0"/>
         <a:buChar char="•"/>
         <a:defRPr sz="1600" kern="1200">
           <a:solidFill>
-            <a:schemeClr val="tx1"/>
+            <a:schemeClr val="tx1">
+              <a:lumMod val="50000"/>
+              <a:lumOff val="50000"/>
+            </a:schemeClr>
           </a:solidFill>
-          <a:latin typeface="+mn-lt"/>
-          <a:ea typeface="+mn-ea"/>
-          <a:cs typeface="+mn-cs"/>
-        </a:defRPr>
-      </a:lvl4pPr>
-      <a:lvl5pPr marL="1554480" indent="-228600" algn="l" defTabSz="914400" rtl="0" eaLnBrk="1" latinLnBrk="0" hangingPunct="1">
-        <a:spcBef>
-          <a:spcPct val="20000"/>
-        </a:spcBef>
-        <a:buClr>
-          <a:schemeClr val="accent5"/>
-        </a:buClr>
-        <a:buFont typeface="Arial" pitchFamily="34" charset="0"/>
-        <a:buChar char="•"/>
-        <a:defRPr sz="1400" kern="1200" baseline="0">
-          <a:solidFill>
-            <a:schemeClr val="tx1"/>
-          </a:solidFill>
-          <a:latin typeface="+mn-lt"/>
+          <a:latin typeface="+mj-lt"/>
           <a:ea typeface="+mn-ea"/>
           <a:cs typeface="+mn-cs"/>
         </a:defRPr>
       </a:lvl5pPr>
-      <a:lvl6pPr marL="1737360" indent="-182880" algn="l" defTabSz="914400" rtl="0" eaLnBrk="1" latinLnBrk="0" hangingPunct="1">
+      <a:lvl6pPr marL="2514600" indent="-228600" algn="l" defTabSz="914400" rtl="0" eaLnBrk="1" latinLnBrk="0" hangingPunct="1">
         <a:spcBef>
           <a:spcPct val="20000"/>
         </a:spcBef>
-        <a:buClr>
-          <a:schemeClr val="accent1"/>
-        </a:buClr>
-        <a:buFont typeface="Arial" pitchFamily="34" charset="0"/>
-        <a:buChar char="•"/>
-        <a:defRPr sz="1400" kern="1200" baseline="0">
+        <a:buFont typeface="Courier New" pitchFamily="49" charset="0"/>
+        <a:buChar char="o"/>
+        <a:defRPr sz="1600" kern="1200">
           <a:solidFill>
-            <a:schemeClr val="tx1"/>
+            <a:schemeClr val="tx1">
+              <a:lumMod val="50000"/>
+              <a:lumOff val="50000"/>
+            </a:schemeClr>
           </a:solidFill>
-          <a:latin typeface="+mn-lt"/>
+          <a:latin typeface="+mj-lt"/>
           <a:ea typeface="+mn-ea"/>
           <a:cs typeface="+mn-cs"/>
         </a:defRPr>
       </a:lvl6pPr>
-      <a:lvl7pPr marL="1920240" indent="-182880" algn="l" defTabSz="914400" rtl="0" eaLnBrk="1" latinLnBrk="0" hangingPunct="1">
+      <a:lvl7pPr marL="2971800" indent="-228600" algn="l" defTabSz="914400" rtl="0" eaLnBrk="1" latinLnBrk="0" hangingPunct="1">
         <a:spcBef>
           <a:spcPct val="20000"/>
         </a:spcBef>
-        <a:buClr>
-          <a:schemeClr val="accent2"/>
-        </a:buClr>
         <a:buFont typeface="Arial" pitchFamily="34" charset="0"/>
         <a:buChar char="•"/>
-        <a:defRPr sz="1400" kern="1200">
+        <a:defRPr sz="1600" kern="1200">
           <a:solidFill>
-            <a:schemeClr val="tx1"/>
+            <a:schemeClr val="tx1">
+              <a:lumMod val="50000"/>
+              <a:lumOff val="50000"/>
+            </a:schemeClr>
           </a:solidFill>
-          <a:latin typeface="+mn-lt"/>
+          <a:latin typeface="+mj-lt"/>
           <a:ea typeface="+mn-ea"/>
           <a:cs typeface="+mn-cs"/>
         </a:defRPr>
       </a:lvl7pPr>
-      <a:lvl8pPr marL="2103120" indent="-182880" algn="l" defTabSz="914400" rtl="0" eaLnBrk="1" latinLnBrk="0" hangingPunct="1">
+      <a:lvl8pPr marL="3429000" indent="-228600" algn="l" defTabSz="914400" rtl="0" eaLnBrk="1" latinLnBrk="0" hangingPunct="1">
         <a:spcBef>
           <a:spcPct val="20000"/>
         </a:spcBef>
-        <a:buClr>
-          <a:schemeClr val="accent3"/>
-        </a:buClr>
-        <a:buFont typeface="Arial" pitchFamily="34" charset="0"/>
-        <a:buChar char="•"/>
-        <a:defRPr sz="1400" kern="1200">
+        <a:buFont typeface="Courier New" pitchFamily="49" charset="0"/>
+        <a:buChar char="o"/>
+        <a:defRPr sz="1600" kern="1200">
           <a:solidFill>
-            <a:schemeClr val="tx1"/>
+            <a:schemeClr val="tx1">
+              <a:lumMod val="50000"/>
+              <a:lumOff val="50000"/>
+            </a:schemeClr>
           </a:solidFill>
-          <a:latin typeface="+mn-lt"/>
+          <a:latin typeface="+mj-lt"/>
           <a:ea typeface="+mn-ea"/>
           <a:cs typeface="+mn-cs"/>
         </a:defRPr>
       </a:lvl8pPr>
-      <a:lvl9pPr marL="2286000" indent="-182880" algn="l" defTabSz="914400" rtl="0" eaLnBrk="1" latinLnBrk="0" hangingPunct="1">
+      <a:lvl9pPr marL="3886200" indent="-228600" algn="l" defTabSz="914400" rtl="0" eaLnBrk="1" latinLnBrk="0" hangingPunct="1">
         <a:spcBef>
           <a:spcPct val="20000"/>
         </a:spcBef>
-        <a:buClr>
-          <a:schemeClr val="accent4"/>
-        </a:buClr>
         <a:buFont typeface="Arial" pitchFamily="34" charset="0"/>
         <a:buChar char="•"/>
-        <a:defRPr sz="1400" kern="1200">
+        <a:defRPr sz="1600" kern="1200">
           <a:solidFill>
-            <a:schemeClr val="tx1"/>
+            <a:schemeClr val="tx1">
+              <a:lumMod val="50000"/>
+              <a:lumOff val="50000"/>
+            </a:schemeClr>
           </a:solidFill>
-          <a:latin typeface="+mn-lt"/>
+          <a:latin typeface="+mj-lt"/>
           <a:ea typeface="+mn-ea"/>
           <a:cs typeface="+mn-cs"/>
         </a:defRPr>
@@ -3178,47 +3346,9 @@
           <a:chExt cx="0" cy="0"/>
         </a:xfrm>
       </p:grpSpPr>
-      <p:sp>
-        <p:nvSpPr>
-          <p:cNvPr id="2" name="Título 1"/>
-          <p:cNvSpPr>
-            <a:spLocks noGrp="1"/>
-          </p:cNvSpPr>
-          <p:nvPr>
-            <p:ph type="ctrTitle"/>
-          </p:nvPr>
-        </p:nvSpPr>
-        <p:spPr/>
-        <p:txBody>
-          <a:bodyPr/>
-          <a:lstStyle/>
-          <a:p>
-            <a:endParaRPr lang="pt-BR"/>
-          </a:p>
-        </p:txBody>
-      </p:sp>
-      <p:sp>
-        <p:nvSpPr>
-          <p:cNvPr id="3" name="Subtítulo 2"/>
-          <p:cNvSpPr>
-            <a:spLocks noGrp="1"/>
-          </p:cNvSpPr>
-          <p:nvPr>
-            <p:ph type="subTitle" idx="1"/>
-          </p:nvPr>
-        </p:nvSpPr>
-        <p:spPr/>
-        <p:txBody>
-          <a:bodyPr/>
-          <a:lstStyle/>
-          <a:p>
-            <a:endParaRPr lang="pt-BR"/>
-          </a:p>
-        </p:txBody>
-      </p:sp>
       <p:pic>
         <p:nvPicPr>
-          <p:cNvPr id="4" name="Picture 2" descr="C:\Users\ADM\Desktop\titulo.jpg"/>
+          <p:cNvPr id="1026" name="Picture 2" descr="C:\Users\ADM\Desktop\festa.jpg"/>
           <p:cNvPicPr>
             <a:picLocks noChangeAspect="1" noChangeArrowheads="1"/>
           </p:cNvPicPr>
@@ -3239,8 +3369,8 @@
         </p:blipFill>
         <p:spPr bwMode="auto">
           <a:xfrm>
-            <a:off x="0" y="-9128"/>
-            <a:ext cx="9144000" cy="6876256"/>
+            <a:off x="0" y="0"/>
+            <a:ext cx="9144000" cy="6858000"/>
           </a:xfrm>
           <a:prstGeom prst="rect">
             <a:avLst/>
@@ -3306,8 +3436,8 @@
         </p:nvSpPr>
         <p:spPr>
           <a:xfrm>
-            <a:off x="683568" y="620688"/>
-            <a:ext cx="7772400" cy="1152128"/>
+            <a:off x="683568" y="404664"/>
+            <a:ext cx="7772400" cy="1224136"/>
           </a:xfrm>
         </p:spPr>
         <p:txBody>
@@ -3318,10 +3448,14 @@
           <a:p>
             <a:pPr algn="ctr"/>
             <a:r>
-              <a:rPr lang="pt-BR" sz="4800" b="1" dirty="0" smtClean="0"/>
+              <a:rPr lang="pt-BR" sz="4800" b="1" dirty="0" smtClean="0">
+                <a:latin typeface="Arial Rounded MT Bold" pitchFamily="34" charset="0"/>
+              </a:rPr>
               <a:t>PROBLEMAS</a:t>
             </a:r>
-            <a:endParaRPr lang="pt-BR" sz="4800" b="1" dirty="0"/>
+            <a:endParaRPr lang="pt-BR" sz="4800" b="1" dirty="0">
+              <a:latin typeface="Arial Rounded MT Bold" pitchFamily="34" charset="0"/>
+            </a:endParaRPr>
           </a:p>
         </p:txBody>
       </p:sp>
@@ -3353,17 +3487,47 @@
                 <a:solidFill>
                   <a:schemeClr val="tx1"/>
                 </a:solidFill>
+                <a:latin typeface="Segoe UI" pitchFamily="34" charset="0"/>
+                <a:ea typeface="Segoe UI" pitchFamily="34" charset="0"/>
+                <a:cs typeface="Segoe UI" pitchFamily="34" charset="0"/>
               </a:rPr>
-              <a:t>Desorganização dos eventos, avisos em cima da hora, não ter tempo para organizar os convites não saber a quantidade de pessoas que irão comparecer.</a:t>
-            </a:r>
+              <a:t>Desorganização dos eventos</a:t>
+            </a:r>
+            <a:r>
+              <a:rPr lang="pt-BR" sz="4000" dirty="0" smtClean="0">
+                <a:solidFill>
+                  <a:schemeClr val="tx1"/>
+                </a:solidFill>
+                <a:latin typeface="Segoe UI" pitchFamily="34" charset="0"/>
+                <a:ea typeface="Segoe UI" pitchFamily="34" charset="0"/>
+                <a:cs typeface="Segoe UI" pitchFamily="34" charset="0"/>
+              </a:rPr>
+              <a:t>, sem avisos.</a:t>
+            </a:r>
+            <a:endParaRPr lang="pt-BR" sz="4000" dirty="0" smtClean="0">
+              <a:solidFill>
+                <a:schemeClr val="tx1"/>
+              </a:solidFill>
+              <a:latin typeface="Segoe UI" pitchFamily="34" charset="0"/>
+              <a:ea typeface="Segoe UI" pitchFamily="34" charset="0"/>
+              <a:cs typeface="Segoe UI" pitchFamily="34" charset="0"/>
+            </a:endParaRPr>
           </a:p>
           <a:p>
             <a:pPr algn="just"/>
-            <a:endParaRPr lang="pt-BR" dirty="0" smtClean="0"/>
+            <a:endParaRPr lang="pt-BR" dirty="0" smtClean="0">
+              <a:latin typeface="Segoe UI" pitchFamily="34" charset="0"/>
+              <a:ea typeface="Segoe UI" pitchFamily="34" charset="0"/>
+              <a:cs typeface="Segoe UI" pitchFamily="34" charset="0"/>
+            </a:endParaRPr>
           </a:p>
           <a:p>
             <a:pPr algn="just"/>
-            <a:endParaRPr lang="pt-BR" dirty="0"/>
+            <a:endParaRPr lang="pt-BR" dirty="0">
+              <a:latin typeface="Segoe UI" pitchFamily="34" charset="0"/>
+              <a:ea typeface="Segoe UI" pitchFamily="34" charset="0"/>
+              <a:cs typeface="Segoe UI" pitchFamily="34" charset="0"/>
+            </a:endParaRPr>
           </a:p>
         </p:txBody>
       </p:sp>
@@ -3428,10 +3592,14 @@
           <a:p>
             <a:pPr algn="ctr"/>
             <a:r>
-              <a:rPr lang="pt-BR" sz="4800" b="1" dirty="0" smtClean="0"/>
+              <a:rPr lang="pt-BR" sz="4800" b="1" dirty="0" smtClean="0">
+                <a:latin typeface="Arial Rounded MT Bold" pitchFamily="34" charset="0"/>
+              </a:rPr>
               <a:t>OPORTUNIDADES</a:t>
             </a:r>
-            <a:endParaRPr lang="pt-BR" sz="4800" b="1" dirty="0"/>
+            <a:endParaRPr lang="pt-BR" sz="4800" b="1" dirty="0">
+              <a:latin typeface="Arial Rounded MT Bold" pitchFamily="34" charset="0"/>
+            </a:endParaRPr>
           </a:p>
         </p:txBody>
       </p:sp>
@@ -3452,15 +3620,39 @@
           </a:xfrm>
         </p:spPr>
         <p:txBody>
-          <a:bodyPr/>
+          <a:bodyPr>
+            <a:normAutofit/>
+          </a:bodyPr>
           <a:lstStyle/>
           <a:p>
             <a:pPr marL="0" indent="0" algn="just">
               <a:buNone/>
             </a:pPr>
             <a:r>
+              <a:rPr lang="pt-BR" sz="4000" dirty="0" smtClean="0">
+                <a:solidFill>
+                  <a:schemeClr val="tx1"/>
+                </a:solidFill>
+                <a:latin typeface="Segoe UI" pitchFamily="34" charset="0"/>
+                <a:ea typeface="Segoe UI" pitchFamily="34" charset="0"/>
+                <a:cs typeface="Segoe UI" pitchFamily="34" charset="0"/>
+              </a:rPr>
+              <a:t>Registro de</a:t>
+            </a:r>
+            <a:r>
+              <a:rPr lang="pt-BR" sz="4000" dirty="0" smtClean="0">
+                <a:solidFill>
+                  <a:schemeClr val="tx1"/>
+                </a:solidFill>
+                <a:latin typeface="Segoe UI" pitchFamily="34" charset="0"/>
+                <a:ea typeface="Segoe UI" pitchFamily="34" charset="0"/>
+                <a:cs typeface="Segoe UI" pitchFamily="34" charset="0"/>
+              </a:rPr>
+              <a:t> todos os dados dos eventos.</a:t>
+            </a:r>
+            <a:r>
               <a:rPr lang="pt-BR" sz="4000" dirty="0" smtClean="0"/>
-              <a:t>Saber quantas  pessoas confirmaram sua presença no evento, para ter  mais precisão no quanto vai ser preciso investir em comes e bebes para que não haja falta nem desperdício.</a:t>
+              <a:t>	</a:t>
             </a:r>
             <a:endParaRPr lang="pt-BR" dirty="0"/>
           </a:p>
@@ -3515,8 +3707,8 @@
         </p:nvSpPr>
         <p:spPr>
           <a:xfrm>
-            <a:off x="395536" y="692696"/>
-            <a:ext cx="8229600" cy="1008112"/>
+            <a:off x="467544" y="692696"/>
+            <a:ext cx="8229600" cy="994122"/>
           </a:xfrm>
         </p:spPr>
         <p:txBody>
@@ -3527,10 +3719,14 @@
           <a:p>
             <a:pPr algn="ctr"/>
             <a:r>
-              <a:rPr lang="pt-BR" sz="4800" b="1" dirty="0" smtClean="0"/>
-              <a:t>SOLUÇÃO</a:t>
-            </a:r>
-            <a:endParaRPr lang="pt-BR" sz="4800" b="1" dirty="0"/>
+              <a:rPr lang="pt-BR" sz="4800" b="1" dirty="0" smtClean="0">
+                <a:latin typeface="Arial Rounded MT Bold" pitchFamily="34" charset="0"/>
+              </a:rPr>
+              <a:t>MERCADO</a:t>
+            </a:r>
+            <a:endParaRPr lang="pt-BR" sz="4800" b="1" dirty="0">
+              <a:latin typeface="Arial Rounded MT Bold" pitchFamily="34" charset="0"/>
+            </a:endParaRPr>
           </a:p>
         </p:txBody>
       </p:sp>
@@ -3546,8 +3742,8 @@
         </p:nvSpPr>
         <p:spPr>
           <a:xfrm>
-            <a:off x="755576" y="1916832"/>
-            <a:ext cx="7632848" cy="4453955"/>
+            <a:off x="755576" y="1927373"/>
+            <a:ext cx="7704856" cy="4525963"/>
           </a:xfrm>
         </p:spPr>
         <p:txBody>
@@ -3560,40 +3756,86 @@
               <a:buNone/>
             </a:pPr>
             <a:r>
+              <a:rPr lang="pt-BR" sz="4000" dirty="0">
+                <a:solidFill>
+                  <a:schemeClr val="tx1"/>
+                </a:solidFill>
+                <a:latin typeface="Segoe UI" pitchFamily="34" charset="0"/>
+                <a:ea typeface="Segoe UI" pitchFamily="34" charset="0"/>
+                <a:cs typeface="Segoe UI" pitchFamily="34" charset="0"/>
+              </a:rPr>
+              <a:t>P</a:t>
+            </a:r>
+            <a:r>
               <a:rPr lang="pt-BR" sz="4000" dirty="0" smtClean="0">
                 <a:solidFill>
                   <a:schemeClr val="tx1"/>
                 </a:solidFill>
+                <a:latin typeface="Segoe UI" pitchFamily="34" charset="0"/>
+                <a:ea typeface="Segoe UI" pitchFamily="34" charset="0"/>
+                <a:cs typeface="Segoe UI" pitchFamily="34" charset="0"/>
               </a:rPr>
-              <a:t>UltraFest: Organização dos valores de eventos, sistema de confirmação </a:t>
-            </a:r>
-            <a:r>
-              <a:rPr lang="pt-BR" sz="4000" dirty="0"/>
-              <a:t>e</a:t>
+              <a:t>essoas </a:t>
             </a:r>
             <a:r>
               <a:rPr lang="pt-BR" sz="4000" dirty="0" smtClean="0">
                 <a:solidFill>
                   <a:schemeClr val="tx1"/>
                 </a:solidFill>
+                <a:latin typeface="Segoe UI" pitchFamily="34" charset="0"/>
+                <a:ea typeface="Segoe UI" pitchFamily="34" charset="0"/>
+                <a:cs typeface="Segoe UI" pitchFamily="34" charset="0"/>
               </a:rPr>
-              <a:t> quantidade de pessoas.</a:t>
-            </a:r>
-            <a:r>
-              <a:rPr lang="pt-BR" sz="4000" dirty="0" smtClean="0"/>
-              <a:t/>
-            </a:r>
-            <a:br>
-              <a:rPr lang="pt-BR" sz="4000" dirty="0" smtClean="0"/>
-            </a:br>
-            <a:endParaRPr lang="pt-BR" sz="4000" dirty="0"/>
+              <a:t>em geral que queiram </a:t>
+            </a:r>
+            <a:r>
+              <a:rPr lang="pt-BR" sz="4000" dirty="0" smtClean="0">
+                <a:solidFill>
+                  <a:schemeClr val="tx1"/>
+                </a:solidFill>
+                <a:latin typeface="Segoe UI" pitchFamily="34" charset="0"/>
+                <a:ea typeface="Segoe UI" pitchFamily="34" charset="0"/>
+                <a:cs typeface="Segoe UI" pitchFamily="34" charset="0"/>
+              </a:rPr>
+              <a:t>ter organizado em dia </a:t>
+            </a:r>
+            <a:r>
+              <a:rPr lang="pt-BR" sz="4000" dirty="0" smtClean="0">
+                <a:solidFill>
+                  <a:schemeClr val="tx1"/>
+                </a:solidFill>
+                <a:latin typeface="Segoe UI" pitchFamily="34" charset="0"/>
+                <a:ea typeface="Segoe UI" pitchFamily="34" charset="0"/>
+                <a:cs typeface="Segoe UI" pitchFamily="34" charset="0"/>
+              </a:rPr>
+              <a:t>e ter mais </a:t>
+            </a:r>
+            <a:r>
+              <a:rPr lang="pt-BR" sz="4000" dirty="0" smtClean="0">
+                <a:solidFill>
+                  <a:schemeClr val="tx1"/>
+                </a:solidFill>
+                <a:latin typeface="Segoe UI" pitchFamily="34" charset="0"/>
+                <a:ea typeface="Segoe UI" pitchFamily="34" charset="0"/>
+                <a:cs typeface="Segoe UI" pitchFamily="34" charset="0"/>
+              </a:rPr>
+              <a:t>controle dos eventos que vai ter.</a:t>
+            </a:r>
+            <a:endParaRPr lang="pt-BR" sz="4000" dirty="0" smtClean="0">
+              <a:solidFill>
+                <a:schemeClr val="tx1"/>
+              </a:solidFill>
+              <a:latin typeface="Segoe UI" pitchFamily="34" charset="0"/>
+              <a:ea typeface="Segoe UI" pitchFamily="34" charset="0"/>
+              <a:cs typeface="Segoe UI" pitchFamily="34" charset="0"/>
+            </a:endParaRPr>
           </a:p>
         </p:txBody>
       </p:sp>
     </p:spTree>
     <p:extLst>
       <p:ext uri="{BB962C8B-B14F-4D97-AF65-F5344CB8AC3E}">
-        <p14:creationId xmlns:p14="http://schemas.microsoft.com/office/powerpoint/2010/main" val="2261484271"/>
+        <p14:creationId xmlns:p14="http://schemas.microsoft.com/office/powerpoint/2010/main" val="528920893"/>
       </p:ext>
     </p:extLst>
   </p:cSld>
@@ -3634,316 +3876,12 @@
             <a:spLocks noGrp="1"/>
           </p:cNvSpPr>
           <p:nvPr>
-            <p:ph type="title"/>
+            <p:ph type="ctrTitle"/>
           </p:nvPr>
         </p:nvSpPr>
         <p:spPr>
           <a:xfrm>
-            <a:off x="467544" y="692696"/>
-            <a:ext cx="8229600" cy="994122"/>
-          </a:xfrm>
-        </p:spPr>
-        <p:txBody>
-          <a:bodyPr>
-            <a:normAutofit/>
-          </a:bodyPr>
-          <a:lstStyle/>
-          <a:p>
-            <a:pPr algn="ctr"/>
-            <a:r>
-              <a:rPr lang="pt-BR" sz="4800" b="1" dirty="0" smtClean="0"/>
-              <a:t>MERCADO</a:t>
-            </a:r>
-            <a:endParaRPr lang="pt-BR" sz="4800" b="1" dirty="0"/>
-          </a:p>
-        </p:txBody>
-      </p:sp>
-      <p:sp>
-        <p:nvSpPr>
-          <p:cNvPr id="3" name="Espaço Reservado para Conteúdo 2"/>
-          <p:cNvSpPr>
-            <a:spLocks noGrp="1"/>
-          </p:cNvSpPr>
-          <p:nvPr>
-            <p:ph idx="1"/>
-          </p:nvPr>
-        </p:nvSpPr>
-        <p:spPr>
-          <a:xfrm>
-            <a:off x="755576" y="1927373"/>
-            <a:ext cx="7704856" cy="4525963"/>
-          </a:xfrm>
-        </p:spPr>
-        <p:txBody>
-          <a:bodyPr>
-            <a:normAutofit/>
-          </a:bodyPr>
-          <a:lstStyle/>
-          <a:p>
-            <a:pPr marL="0" indent="0" algn="just">
-              <a:buNone/>
-            </a:pPr>
-            <a:r>
-              <a:rPr lang="pt-BR" sz="4000" dirty="0" smtClean="0"/>
-              <a:t>Organizadores ou  promotores  de eventos e pessoas em geral que queiram organizar e ter mais controle sobre  suas festas.</a:t>
-            </a:r>
-          </a:p>
-        </p:txBody>
-      </p:sp>
-    </p:spTree>
-    <p:extLst>
-      <p:ext uri="{BB962C8B-B14F-4D97-AF65-F5344CB8AC3E}">
-        <p14:creationId xmlns:p14="http://schemas.microsoft.com/office/powerpoint/2010/main" val="528920893"/>
-      </p:ext>
-    </p:extLst>
-  </p:cSld>
-  <p:clrMapOvr>
-    <a:masterClrMapping/>
-  </p:clrMapOvr>
-  <p:timing>
-    <p:tnLst>
-      <p:par>
-        <p:cTn id="1" dur="indefinite" restart="never" nodeType="tmRoot"/>
-      </p:par>
-    </p:tnLst>
-  </p:timing>
-</p:sld>
-</file>
-
-<file path=ppt/slides/slide6.xml><?xml version="1.0" encoding="utf-8"?>
-<p:sld xmlns:a="http://schemas.openxmlformats.org/drawingml/2006/main" xmlns:r="http://schemas.openxmlformats.org/officeDocument/2006/relationships" xmlns:p="http://schemas.openxmlformats.org/presentationml/2006/main">
-  <p:cSld>
-    <p:spTree>
-      <p:nvGrpSpPr>
-        <p:cNvPr id="1" name=""/>
-        <p:cNvGrpSpPr/>
-        <p:nvPr/>
-      </p:nvGrpSpPr>
-      <p:grpSpPr>
-        <a:xfrm>
-          <a:off x="0" y="0"/>
-          <a:ext cx="0" cy="0"/>
-          <a:chOff x="0" y="0"/>
-          <a:chExt cx="0" cy="0"/>
-        </a:xfrm>
-      </p:grpSpPr>
-      <p:sp>
-        <p:nvSpPr>
-          <p:cNvPr id="2" name="Título 1"/>
-          <p:cNvSpPr>
-            <a:spLocks noGrp="1"/>
-          </p:cNvSpPr>
-          <p:nvPr>
-            <p:ph type="title"/>
-          </p:nvPr>
-        </p:nvSpPr>
-        <p:spPr>
-          <a:xfrm>
-            <a:off x="467544" y="620688"/>
-            <a:ext cx="8229600" cy="1143000"/>
-          </a:xfrm>
-        </p:spPr>
-        <p:txBody>
-          <a:bodyPr>
-            <a:normAutofit/>
-          </a:bodyPr>
-          <a:lstStyle/>
-          <a:p>
-            <a:pPr algn="ctr"/>
-            <a:r>
-              <a:rPr lang="pt-BR" sz="4800" b="1" dirty="0" smtClean="0"/>
-              <a:t>DIFERENCIAIS</a:t>
-            </a:r>
-            <a:endParaRPr lang="pt-BR" sz="4800" b="1" dirty="0"/>
-          </a:p>
-        </p:txBody>
-      </p:sp>
-      <p:sp>
-        <p:nvSpPr>
-          <p:cNvPr id="3" name="Espaço Reservado para Conteúdo 2"/>
-          <p:cNvSpPr>
-            <a:spLocks noGrp="1"/>
-          </p:cNvSpPr>
-          <p:nvPr>
-            <p:ph idx="1"/>
-          </p:nvPr>
-        </p:nvSpPr>
-        <p:spPr>
-          <a:xfrm>
-            <a:off x="755576" y="1916832"/>
-            <a:ext cx="7632848" cy="4209331"/>
-          </a:xfrm>
-        </p:spPr>
-        <p:txBody>
-          <a:bodyPr/>
-          <a:lstStyle/>
-          <a:p>
-            <a:pPr marL="0" indent="0" algn="just">
-              <a:buNone/>
-            </a:pPr>
-            <a:r>
-              <a:rPr lang="pt-BR" sz="4000" dirty="0" smtClean="0"/>
-              <a:t>Os convites dos eventos serão enviados pelo E-mail, ou sms.</a:t>
-            </a:r>
-          </a:p>
-          <a:p>
-            <a:pPr marL="0" indent="0">
-              <a:buNone/>
-            </a:pPr>
-            <a:endParaRPr lang="pt-BR" dirty="0"/>
-          </a:p>
-        </p:txBody>
-      </p:sp>
-    </p:spTree>
-    <p:extLst>
-      <p:ext uri="{BB962C8B-B14F-4D97-AF65-F5344CB8AC3E}">
-        <p14:creationId xmlns:p14="http://schemas.microsoft.com/office/powerpoint/2010/main" val="3214070998"/>
-      </p:ext>
-    </p:extLst>
-  </p:cSld>
-  <p:clrMapOvr>
-    <a:masterClrMapping/>
-  </p:clrMapOvr>
-  <p:timing>
-    <p:tnLst>
-      <p:par>
-        <p:cTn id="1" dur="indefinite" restart="never" nodeType="tmRoot"/>
-      </p:par>
-    </p:tnLst>
-  </p:timing>
-</p:sld>
-</file>
-
-<file path=ppt/slides/slide7.xml><?xml version="1.0" encoding="utf-8"?>
-<p:sld xmlns:a="http://schemas.openxmlformats.org/drawingml/2006/main" xmlns:r="http://schemas.openxmlformats.org/officeDocument/2006/relationships" xmlns:p="http://schemas.openxmlformats.org/presentationml/2006/main">
-  <p:cSld>
-    <p:spTree>
-      <p:nvGrpSpPr>
-        <p:cNvPr id="1" name=""/>
-        <p:cNvGrpSpPr/>
-        <p:nvPr/>
-      </p:nvGrpSpPr>
-      <p:grpSpPr>
-        <a:xfrm>
-          <a:off x="0" y="0"/>
-          <a:ext cx="0" cy="0"/>
-          <a:chOff x="0" y="0"/>
-          <a:chExt cx="0" cy="0"/>
-        </a:xfrm>
-      </p:grpSpPr>
-      <p:sp>
-        <p:nvSpPr>
-          <p:cNvPr id="2" name="Título 1"/>
-          <p:cNvSpPr>
-            <a:spLocks noGrp="1"/>
-          </p:cNvSpPr>
-          <p:nvPr>
-            <p:ph type="title"/>
-          </p:nvPr>
-        </p:nvSpPr>
-        <p:spPr>
-          <a:xfrm>
-            <a:off x="611560" y="620688"/>
-            <a:ext cx="8229600" cy="1143000"/>
-          </a:xfrm>
-        </p:spPr>
-        <p:txBody>
-          <a:bodyPr>
-            <a:normAutofit/>
-          </a:bodyPr>
-          <a:lstStyle/>
-          <a:p>
-            <a:r>
-              <a:rPr lang="pt-BR" sz="4800" b="1" dirty="0" smtClean="0"/>
-              <a:t>MODELO DE NEGÓCIOS</a:t>
-            </a:r>
-            <a:endParaRPr lang="pt-BR" sz="4800" b="1" dirty="0"/>
-          </a:p>
-        </p:txBody>
-      </p:sp>
-      <p:sp>
-        <p:nvSpPr>
-          <p:cNvPr id="3" name="Espaço Reservado para Conteúdo 2"/>
-          <p:cNvSpPr>
-            <a:spLocks noGrp="1"/>
-          </p:cNvSpPr>
-          <p:nvPr>
-            <p:ph idx="1"/>
-          </p:nvPr>
-        </p:nvSpPr>
-        <p:spPr>
-          <a:xfrm>
-            <a:off x="755576" y="1916832"/>
-            <a:ext cx="7632848" cy="3744416"/>
-          </a:xfrm>
-        </p:spPr>
-        <p:txBody>
-          <a:bodyPr>
-            <a:normAutofit/>
-          </a:bodyPr>
-          <a:lstStyle/>
-          <a:p>
-            <a:pPr marL="0" indent="0" algn="just">
-              <a:buNone/>
-            </a:pPr>
-            <a:r>
-              <a:rPr lang="pt-BR" sz="4000" dirty="0" smtClean="0"/>
-              <a:t>Cobrar por cada evento realizado, ou por pessoa que utilizar o sistema.</a:t>
-            </a:r>
-            <a:endParaRPr lang="pt-BR" sz="4000" dirty="0"/>
-          </a:p>
-        </p:txBody>
-      </p:sp>
-    </p:spTree>
-    <p:extLst>
-      <p:ext uri="{BB962C8B-B14F-4D97-AF65-F5344CB8AC3E}">
-        <p14:creationId xmlns:p14="http://schemas.microsoft.com/office/powerpoint/2010/main" val="2649626595"/>
-      </p:ext>
-    </p:extLst>
-  </p:cSld>
-  <p:clrMapOvr>
-    <a:masterClrMapping/>
-  </p:clrMapOvr>
-  <p:timing>
-    <p:tnLst>
-      <p:par>
-        <p:cTn id="1" dur="indefinite" restart="never" nodeType="tmRoot"/>
-      </p:par>
-    </p:tnLst>
-  </p:timing>
-</p:sld>
-</file>
-
-<file path=ppt/slides/slide8.xml><?xml version="1.0" encoding="utf-8"?>
-<p:sld xmlns:a="http://schemas.openxmlformats.org/drawingml/2006/main" xmlns:r="http://schemas.openxmlformats.org/officeDocument/2006/relationships" xmlns:p="http://schemas.openxmlformats.org/presentationml/2006/main">
-  <p:cSld>
-    <p:spTree>
-      <p:nvGrpSpPr>
-        <p:cNvPr id="1" name=""/>
-        <p:cNvGrpSpPr/>
-        <p:nvPr/>
-      </p:nvGrpSpPr>
-      <p:grpSpPr>
-        <a:xfrm>
-          <a:off x="0" y="0"/>
-          <a:ext cx="0" cy="0"/>
-          <a:chOff x="0" y="0"/>
-          <a:chExt cx="0" cy="0"/>
-        </a:xfrm>
-      </p:grpSpPr>
-      <p:sp>
-        <p:nvSpPr>
-          <p:cNvPr id="2" name="Título 1"/>
-          <p:cNvSpPr>
-            <a:spLocks noGrp="1"/>
-          </p:cNvSpPr>
-          <p:nvPr>
-            <p:ph type="ctrTitle"/>
-          </p:nvPr>
-        </p:nvSpPr>
-        <p:spPr>
-          <a:xfrm>
-            <a:off x="442124" y="836712"/>
+            <a:off x="395536" y="476672"/>
             <a:ext cx="7772400" cy="4176464"/>
           </a:xfrm>
         </p:spPr>
@@ -3955,58 +3893,116 @@
           <a:p>
             <a:pPr algn="ctr"/>
             <a:r>
+              <a:rPr lang="pt-BR" sz="4000" b="1" dirty="0" smtClean="0">
+                <a:latin typeface="Arial Rounded MT Bold" pitchFamily="34" charset="0"/>
+              </a:rPr>
+              <a:t>OBRIGADO PELA ATENÇÃO!</a:t>
+            </a:r>
+            <a:r>
               <a:rPr lang="pt-BR" sz="4000" b="1" dirty="0" smtClean="0"/>
-              <a:t>OBRIGADO PELA ATENÇÃO!</a:t>
+              <a:t/>
             </a:r>
             <a:br>
               <a:rPr lang="pt-BR" sz="4000" b="1" dirty="0" smtClean="0"/>
             </a:br>
             <a:r>
-              <a:rPr lang="pt-BR" sz="4000" b="1" dirty="0" smtClean="0"/>
+              <a:rPr lang="pt-BR" sz="4000" b="1" dirty="0" smtClean="0">
+                <a:solidFill>
+                  <a:schemeClr val="tx1"/>
+                </a:solidFill>
+              </a:rPr>
               <a:t/>
             </a:r>
             <a:br>
-              <a:rPr lang="pt-BR" sz="4000" b="1" dirty="0" smtClean="0"/>
+              <a:rPr lang="pt-BR" sz="4000" b="1" dirty="0" smtClean="0">
+                <a:solidFill>
+                  <a:schemeClr val="tx1"/>
+                </a:solidFill>
+              </a:rPr>
             </a:br>
             <a:r>
-              <a:rPr lang="pt-BR" sz="4000" b="1" dirty="0"/>
+              <a:rPr lang="pt-BR" sz="4000" b="1" dirty="0">
+                <a:solidFill>
+                  <a:schemeClr val="tx1"/>
+                </a:solidFill>
+              </a:rPr>
               <a:t> Cristiane Monteiro </a:t>
             </a:r>
             <a:r>
-              <a:rPr lang="pt-BR" sz="4000" b="1" dirty="0" smtClean="0"/>
+              <a:rPr lang="pt-BR" sz="4000" b="1" dirty="0" smtClean="0">
+                <a:solidFill>
+                  <a:schemeClr val="tx1"/>
+                </a:solidFill>
+              </a:rPr>
               <a:t/>
             </a:r>
             <a:br>
-              <a:rPr lang="pt-BR" sz="4000" b="1" dirty="0" smtClean="0"/>
+              <a:rPr lang="pt-BR" sz="4000" b="1" dirty="0" smtClean="0">
+                <a:solidFill>
+                  <a:schemeClr val="tx1"/>
+                </a:solidFill>
+              </a:rPr>
             </a:br>
             <a:r>
-              <a:rPr lang="pt-BR" sz="4000" b="1" dirty="0" smtClean="0"/>
+              <a:rPr lang="pt-BR" sz="4000" b="1" dirty="0" smtClean="0">
+                <a:solidFill>
+                  <a:schemeClr val="tx1"/>
+                </a:solidFill>
+              </a:rPr>
               <a:t>e</a:t>
             </a:r>
             <a:r>
-              <a:rPr lang="pt-BR" sz="4000" b="1" dirty="0"/>
+              <a:rPr lang="pt-BR" sz="4000" b="1" dirty="0">
+                <a:solidFill>
+                  <a:schemeClr val="tx1"/>
+                </a:solidFill>
+              </a:rPr>
               <a:t/>
             </a:r>
             <a:br>
-              <a:rPr lang="pt-BR" sz="4000" b="1" dirty="0"/>
+              <a:rPr lang="pt-BR" sz="4000" b="1" dirty="0">
+                <a:solidFill>
+                  <a:schemeClr val="tx1"/>
+                </a:solidFill>
+              </a:rPr>
             </a:br>
             <a:r>
-              <a:rPr lang="pt-BR" sz="4000" b="1" dirty="0"/>
+              <a:rPr lang="pt-BR" sz="4000" b="1" dirty="0">
+                <a:solidFill>
+                  <a:schemeClr val="tx1"/>
+                </a:solidFill>
+              </a:rPr>
               <a:t>    </a:t>
             </a:r>
             <a:r>
-              <a:rPr lang="pt-BR" sz="4000" b="1" dirty="0" smtClean="0"/>
+              <a:rPr lang="pt-BR" sz="4000" b="1" dirty="0" smtClean="0">
+                <a:solidFill>
+                  <a:schemeClr val="tx1"/>
+                </a:solidFill>
+              </a:rPr>
               <a:t> </a:t>
             </a:r>
             <a:r>
-              <a:rPr lang="pt-BR" sz="4000" b="1" dirty="0"/>
+              <a:rPr lang="pt-BR" sz="4000" b="1" dirty="0">
+                <a:solidFill>
+                  <a:schemeClr val="tx1"/>
+                </a:solidFill>
+              </a:rPr>
               <a:t>Maiara </a:t>
             </a:r>
             <a:r>
-              <a:rPr lang="pt-BR" sz="4000" b="1" dirty="0" smtClean="0"/>
+              <a:rPr lang="pt-BR" sz="4000" b="1" dirty="0" smtClean="0">
+                <a:solidFill>
+                  <a:schemeClr val="tx1"/>
+                </a:solidFill>
+              </a:rPr>
               <a:t>Wosniak</a:t>
             </a:r>
-            <a:endParaRPr lang="pt-BR" sz="4000" b="1" dirty="0"/>
+            <a:endParaRPr lang="pt-BR" sz="4000" b="1" dirty="0">
+              <a:solidFill>
+                <a:schemeClr val="tx1"/>
+              </a:solidFill>
+            </a:endParaRPr>
           </a:p>
         </p:txBody>
       </p:sp>
@@ -4031,58 +4027,93 @@
 </file>
 
 <file path=ppt/theme/theme1.xml><?xml version="1.0" encoding="utf-8"?>
-<a:theme xmlns:a="http://schemas.openxmlformats.org/drawingml/2006/main" name="Adjacência">
+<a:theme xmlns:a="http://schemas.openxmlformats.org/drawingml/2006/main" name="Executivo">
   <a:themeElements>
-    <a:clrScheme name="Adjacência">
+    <a:clrScheme name="Executivo">
       <a:dk1>
-        <a:srgbClr val="2F2B20"/>
+        <a:sysClr val="windowText" lastClr="000000"/>
       </a:dk1>
       <a:lt1>
-        <a:srgbClr val="FFFFFF"/>
+        <a:sysClr val="window" lastClr="FFFFFF"/>
       </a:lt1>
       <a:dk2>
-        <a:srgbClr val="675E47"/>
+        <a:srgbClr val="2F5897"/>
       </a:dk2>
       <a:lt2>
-        <a:srgbClr val="DFDCB7"/>
+        <a:srgbClr val="E4E9EF"/>
       </a:lt2>
       <a:accent1>
-        <a:srgbClr val="A9A57C"/>
+        <a:srgbClr val="6076B4"/>
       </a:accent1>
       <a:accent2>
-        <a:srgbClr val="9CBEBD"/>
+        <a:srgbClr val="9C5252"/>
       </a:accent2>
       <a:accent3>
-        <a:srgbClr val="D2CB6C"/>
+        <a:srgbClr val="E68422"/>
       </a:accent3>
       <a:accent4>
-        <a:srgbClr val="95A39D"/>
+        <a:srgbClr val="846648"/>
       </a:accent4>
       <a:accent5>
-        <a:srgbClr val="C89F5D"/>
+        <a:srgbClr val="63891F"/>
       </a:accent5>
       <a:accent6>
-        <a:srgbClr val="B1A089"/>
+        <a:srgbClr val="758085"/>
       </a:accent6>
       <a:hlink>
-        <a:srgbClr val="D25814"/>
+        <a:srgbClr val="3399FF"/>
       </a:hlink>
       <a:folHlink>
-        <a:srgbClr val="849A0A"/>
+        <a:srgbClr val="B2B2B2"/>
       </a:folHlink>
     </a:clrScheme>
-    <a:fontScheme name="Escritório">
+    <a:fontScheme name="Executivo">
       <a:majorFont>
-        <a:latin typeface="Cambria"/>
+        <a:latin typeface="Century Gothic"/>
         <a:ea typeface=""/>
         <a:cs typeface=""/>
-        <a:font script="Jpan" typeface="ＭＳ ゴシック"/>
+        <a:font script="Jpan" typeface="HGｺﾞｼｯｸM"/>
+        <a:font script="Hang" typeface="HY중고딕"/>
+        <a:font script="Hans" typeface="幼圆"/>
+        <a:font script="Hant" typeface="微軟正黑體"/>
+        <a:font script="Arab" typeface="Tahoma"/>
+        <a:font script="Hebr" typeface="Gisha"/>
+        <a:font script="Thai" typeface="DilleniaUPC"/>
+        <a:font script="Ethi" typeface="Nyala"/>
+        <a:font script="Beng" typeface="Vrinda"/>
+        <a:font script="Gujr" typeface="Shruti"/>
+        <a:font script="Khmr" typeface="DaunPenh"/>
+        <a:font script="Knda" typeface="Tunga"/>
+        <a:font script="Guru" typeface="Raavi"/>
+        <a:font script="Cans" typeface="Euphemia"/>
+        <a:font script="Cher" typeface="Plantagenet Cherokee"/>
+        <a:font script="Yiii" typeface="Microsoft Yi Baiti"/>
+        <a:font script="Tibt" typeface="Microsoft Himalaya"/>
+        <a:font script="Thaa" typeface="MV Boli"/>
+        <a:font script="Deva" typeface="Mangal"/>
+        <a:font script="Telu" typeface="Gautami"/>
+        <a:font script="Taml" typeface="Latha"/>
+        <a:font script="Syrc" typeface="Estrangelo Edessa"/>
+        <a:font script="Orya" typeface="Kalinga"/>
+        <a:font script="Mlym" typeface="Kartika"/>
+        <a:font script="Laoo" typeface="DokChampa"/>
+        <a:font script="Sinh" typeface="Iskoola Pota"/>
+        <a:font script="Mong" typeface="Mongolian Baiti"/>
+        <a:font script="Viet" typeface="Tahoma"/>
+        <a:font script="Uigh" typeface="Microsoft Uighur"/>
+        <a:font script="Geor" typeface="Sylfaen"/>
+      </a:majorFont>
+      <a:minorFont>
+        <a:latin typeface="Palatino Linotype"/>
+        <a:ea typeface=""/>
+        <a:cs typeface=""/>
+        <a:font script="Jpan" typeface="HGS明朝E"/>
         <a:font script="Hang" typeface="맑은 고딕"/>
         <a:font script="Hans" typeface="宋体"/>
         <a:font script="Hant" typeface="新細明體"/>
         <a:font script="Arab" typeface="Times New Roman"/>
         <a:font script="Hebr" typeface="Times New Roman"/>
-        <a:font script="Thai" typeface="Angsana New"/>
+        <a:font script="Thai" typeface="Browallia New"/>
         <a:font script="Ethi" typeface="Nyala"/>
         <a:font script="Beng" typeface="Vrinda"/>
         <a:font script="Gujr" typeface="Shruti"/>
@@ -4106,59 +4137,62 @@
         <a:font script="Viet" typeface="Times New Roman"/>
         <a:font script="Uigh" typeface="Microsoft Uighur"/>
         <a:font script="Geor" typeface="Sylfaen"/>
-      </a:majorFont>
-      <a:minorFont>
-        <a:latin typeface="Calibri"/>
-        <a:ea typeface=""/>
-        <a:cs typeface=""/>
-        <a:font script="Jpan" typeface="ＭＳ 明朝"/>
-        <a:font script="Hang" typeface="맑은 고딕"/>
-        <a:font script="Hans" typeface="宋体"/>
-        <a:font script="Hant" typeface="新細明體"/>
-        <a:font script="Arab" typeface="Arial"/>
-        <a:font script="Hebr" typeface="Arial"/>
-        <a:font script="Thai" typeface="Cordia New"/>
-        <a:font script="Ethi" typeface="Nyala"/>
-        <a:font script="Beng" typeface="Vrinda"/>
-        <a:font script="Gujr" typeface="Shruti"/>
-        <a:font script="Khmr" typeface="DaunPenh"/>
-        <a:font script="Knda" typeface="Tunga"/>
-        <a:font script="Guru" typeface="Raavi"/>
-        <a:font script="Cans" typeface="Euphemia"/>
-        <a:font script="Cher" typeface="Plantagenet Cherokee"/>
-        <a:font script="Yiii" typeface="Microsoft Yi Baiti"/>
-        <a:font script="Tibt" typeface="Microsoft Himalaya"/>
-        <a:font script="Thaa" typeface="MV Boli"/>
-        <a:font script="Deva" typeface="Mangal"/>
-        <a:font script="Telu" typeface="Gautami"/>
-        <a:font script="Taml" typeface="Latha"/>
-        <a:font script="Syrc" typeface="Estrangelo Edessa"/>
-        <a:font script="Orya" typeface="Kalinga"/>
-        <a:font script="Mlym" typeface="Kartika"/>
-        <a:font script="Laoo" typeface="DokChampa"/>
-        <a:font script="Sinh" typeface="Iskoola Pota"/>
-        <a:font script="Mong" typeface="Mongolian Baiti"/>
-        <a:font script="Viet" typeface="Arial"/>
-        <a:font script="Uigh" typeface="Microsoft Uighur"/>
-        <a:font script="Geor" typeface="Sylfaen"/>
       </a:minorFont>
     </a:fontScheme>
-    <a:fmtScheme name="Adjacência">
+    <a:fmtScheme name="Executivo">
       <a:fillStyleLst>
         <a:solidFill>
           <a:schemeClr val="phClr"/>
         </a:solidFill>
-        <a:solidFill>
-          <a:schemeClr val="phClr">
-            <a:tint val="55000"/>
-          </a:schemeClr>
-        </a:solidFill>
-        <a:solidFill>
-          <a:schemeClr val="phClr"/>
-        </a:solidFill>
+        <a:gradFill rotWithShape="1">
+          <a:gsLst>
+            <a:gs pos="0">
+              <a:schemeClr val="phClr">
+                <a:tint val="50000"/>
+                <a:satMod val="300000"/>
+              </a:schemeClr>
+            </a:gs>
+            <a:gs pos="35000">
+              <a:schemeClr val="phClr">
+                <a:tint val="37000"/>
+                <a:satMod val="300000"/>
+              </a:schemeClr>
+            </a:gs>
+            <a:gs pos="100000">
+              <a:schemeClr val="phClr">
+                <a:tint val="15000"/>
+                <a:satMod val="350000"/>
+              </a:schemeClr>
+            </a:gs>
+          </a:gsLst>
+          <a:lin ang="16200000" scaled="1"/>
+        </a:gradFill>
+        <a:gradFill rotWithShape="1">
+          <a:gsLst>
+            <a:gs pos="0">
+              <a:schemeClr val="phClr">
+                <a:shade val="51000"/>
+                <a:satMod val="130000"/>
+              </a:schemeClr>
+            </a:gs>
+            <a:gs pos="80000">
+              <a:schemeClr val="phClr">
+                <a:shade val="93000"/>
+                <a:satMod val="130000"/>
+              </a:schemeClr>
+            </a:gs>
+            <a:gs pos="100000">
+              <a:schemeClr val="phClr">
+                <a:shade val="94000"/>
+                <a:satMod val="135000"/>
+              </a:schemeClr>
+            </a:gs>
+          </a:gsLst>
+          <a:lin ang="16200000" scaled="0"/>
+        </a:gradFill>
       </a:fillStyleLst>
       <a:lnStyleLst>
-        <a:ln w="12700" cap="flat" cmpd="sng" algn="ctr">
+        <a:ln w="9525" cap="flat" cmpd="sng" algn="ctr">
           <a:solidFill>
             <a:schemeClr val="phClr">
               <a:shade val="95000"/>
@@ -4167,13 +4201,13 @@
           </a:solidFill>
           <a:prstDash val="solid"/>
         </a:ln>
-        <a:ln w="25400" cap="flat" cmpd="sng" algn="ctr">
+        <a:ln w="28575" cap="flat" cmpd="sng" algn="ctr">
           <a:solidFill>
             <a:schemeClr val="phClr"/>
           </a:solidFill>
           <a:prstDash val="solid"/>
         </a:ln>
-        <a:ln w="38100" cap="flat" cmpd="sng" algn="ctr">
+        <a:ln w="50800" cap="flat" cmpd="sng" algn="ctr">
           <a:solidFill>
             <a:schemeClr val="phClr"/>
           </a:solidFill>
@@ -4182,35 +4216,41 @@
       </a:lnStyleLst>
       <a:effectStyleLst>
         <a:effectStyle>
-          <a:effectLst/>
-        </a:effectStyle>
-        <a:effectStyle>
           <a:effectLst>
-            <a:outerShdw blurRad="50800" dist="25400" algn="bl" rotWithShape="0">
+            <a:outerShdw blurRad="40000" dist="20000" dir="5400000" rotWithShape="0">
               <a:srgbClr val="000000">
-                <a:alpha val="60000"/>
+                <a:alpha val="38000"/>
               </a:srgbClr>
             </a:outerShdw>
           </a:effectLst>
         </a:effectStyle>
         <a:effectStyle>
-          <a:effectLst/>
+          <a:effectLst>
+            <a:outerShdw blurRad="40000" dist="23000" dir="5400000" rotWithShape="0">
+              <a:srgbClr val="000000">
+                <a:alpha val="35000"/>
+              </a:srgbClr>
+            </a:outerShdw>
+          </a:effectLst>
+        </a:effectStyle>
+        <a:effectStyle>
+          <a:effectLst>
+            <a:outerShdw blurRad="40000" dist="23000" dir="5400000" rotWithShape="0">
+              <a:srgbClr val="000000">
+                <a:alpha val="35000"/>
+              </a:srgbClr>
+            </a:outerShdw>
+          </a:effectLst>
           <a:scene3d>
             <a:camera prst="orthographicFront">
               <a:rot lat="0" lon="0" rev="0"/>
             </a:camera>
-            <a:lightRig rig="brightRoom" dir="tl">
-              <a:rot lat="0" lon="0" rev="1800000"/>
+            <a:lightRig rig="threePt" dir="t">
+              <a:rot lat="0" lon="0" rev="1200000"/>
             </a:lightRig>
           </a:scene3d>
-          <a:sp3d contourW="10160" prstMaterial="dkEdge">
-            <a:bevelT w="38100" h="50800" prst="angle"/>
-            <a:contourClr>
-              <a:schemeClr val="phClr">
-                <a:shade val="40000"/>
-                <a:satMod val="150000"/>
-              </a:schemeClr>
-            </a:contourClr>
+          <a:sp3d>
+            <a:bevelT w="63500" h="25400"/>
           </a:sp3d>
         </a:effectStyle>
       </a:effectStyleLst>
@@ -4220,40 +4260,43 @@
         </a:solidFill>
         <a:gradFill rotWithShape="1">
           <a:gsLst>
-            <a:gs pos="0">
+            <a:gs pos="50000">
+              <a:schemeClr val="phClr">
+                <a:tint val="80000"/>
+                <a:satMod val="250000"/>
+              </a:schemeClr>
+            </a:gs>
+            <a:gs pos="76000">
               <a:schemeClr val="phClr">
                 <a:tint val="90000"/>
+                <a:shade val="90000"/>
+                <a:satMod val="200000"/>
               </a:schemeClr>
             </a:gs>
-            <a:gs pos="75000">
+            <a:gs pos="92000">
               <a:schemeClr val="phClr">
-                <a:shade val="100000"/>
-                <a:satMod val="115000"/>
-              </a:schemeClr>
-            </a:gs>
-            <a:gs pos="100000">
-              <a:schemeClr val="phClr">
+                <a:tint val="90000"/>
                 <a:shade val="70000"/>
-                <a:satMod val="130000"/>
+                <a:satMod val="250000"/>
               </a:schemeClr>
             </a:gs>
           </a:gsLst>
           <a:path path="circle">
-            <a:fillToRect l="20000" t="50000" r="100000" b="50000"/>
+            <a:fillToRect l="50000" t="50000" r="50000" b="50000"/>
           </a:path>
         </a:gradFill>
-        <a:blipFill rotWithShape="1">
+        <a:blipFill>
           <a:blip xmlns:r="http://schemas.openxmlformats.org/officeDocument/2006/relationships" r:embed="rId1">
             <a:duotone>
               <a:schemeClr val="phClr">
-                <a:tint val="97000"/>
+                <a:tint val="95000"/>
               </a:schemeClr>
               <a:schemeClr val="phClr">
-                <a:shade val="96000"/>
+                <a:shade val="90000"/>
               </a:schemeClr>
             </a:duotone>
           </a:blip>
-          <a:tile tx="0" ty="0" sx="32000" sy="32000" flip="none" algn="tl"/>
+          <a:tile tx="0" ty="0" sx="100000" sy="100000" flip="none" algn="tl"/>
         </a:blipFill>
       </a:bgFillStyleLst>
     </a:fmtScheme>

--- a/Slides do curso Aprender e Crescer.pptx
+++ b/Slides do curso Aprender e Crescer.pptx
@@ -9,7 +9,8 @@
     <p:sldId id="258" r:id="rId3"/>
     <p:sldId id="257" r:id="rId4"/>
     <p:sldId id="260" r:id="rId5"/>
-    <p:sldId id="267" r:id="rId6"/>
+    <p:sldId id="269" r:id="rId6"/>
+    <p:sldId id="267" r:id="rId7"/>
   </p:sldIdLst>
   <p:sldSz cx="9144000" cy="6858000" type="screen4x3"/>
   <p:notesSz cx="6858000" cy="9144000"/>
@@ -303,7 +304,7 @@
           <a:p>
             <a:fld id="{48619ED3-62B8-4CE6-B63B-BBBB2D3553ED}" type="datetimeFigureOut">
               <a:rPr lang="pt-BR" smtClean="0"/>
-              <a:t>20/10/2016</a:t>
+              <a:t>21/10/2016</a:t>
             </a:fld>
             <a:endParaRPr lang="pt-BR"/>
           </a:p>
@@ -468,7 +469,7 @@
           <a:p>
             <a:fld id="{48619ED3-62B8-4CE6-B63B-BBBB2D3553ED}" type="datetimeFigureOut">
               <a:rPr lang="pt-BR" smtClean="0"/>
-              <a:t>20/10/2016</a:t>
+              <a:t>21/10/2016</a:t>
             </a:fld>
             <a:endParaRPr lang="pt-BR"/>
           </a:p>
@@ -643,7 +644,7 @@
           <a:p>
             <a:fld id="{48619ED3-62B8-4CE6-B63B-BBBB2D3553ED}" type="datetimeFigureOut">
               <a:rPr lang="pt-BR" smtClean="0"/>
-              <a:t>20/10/2016</a:t>
+              <a:t>21/10/2016</a:t>
             </a:fld>
             <a:endParaRPr lang="pt-BR"/>
           </a:p>
@@ -826,7 +827,7 @@
           <a:p>
             <a:fld id="{48619ED3-62B8-4CE6-B63B-BBBB2D3553ED}" type="datetimeFigureOut">
               <a:rPr lang="pt-BR" smtClean="0"/>
-              <a:t>20/10/2016</a:t>
+              <a:t>21/10/2016</a:t>
             </a:fld>
             <a:endParaRPr lang="pt-BR"/>
           </a:p>
@@ -1088,7 +1089,7 @@
           <a:p>
             <a:fld id="{48619ED3-62B8-4CE6-B63B-BBBB2D3553ED}" type="datetimeFigureOut">
               <a:rPr lang="pt-BR" smtClean="0"/>
-              <a:t>20/10/2016</a:t>
+              <a:t>21/10/2016</a:t>
             </a:fld>
             <a:endParaRPr lang="pt-BR"/>
           </a:p>
@@ -1436,7 +1437,7 @@
           <a:p>
             <a:fld id="{48619ED3-62B8-4CE6-B63B-BBBB2D3553ED}" type="datetimeFigureOut">
               <a:rPr lang="pt-BR" smtClean="0"/>
-              <a:t>20/10/2016</a:t>
+              <a:t>21/10/2016</a:t>
             </a:fld>
             <a:endParaRPr lang="pt-BR"/>
           </a:p>
@@ -1744,7 +1745,7 @@
           <a:p>
             <a:fld id="{48619ED3-62B8-4CE6-B63B-BBBB2D3553ED}" type="datetimeFigureOut">
               <a:rPr lang="pt-BR" smtClean="0"/>
-              <a:t>20/10/2016</a:t>
+              <a:t>21/10/2016</a:t>
             </a:fld>
             <a:endParaRPr lang="pt-BR"/>
           </a:p>
@@ -1971,7 +1972,7 @@
           <a:p>
             <a:fld id="{48619ED3-62B8-4CE6-B63B-BBBB2D3553ED}" type="datetimeFigureOut">
               <a:rPr lang="pt-BR" smtClean="0"/>
-              <a:t>20/10/2016</a:t>
+              <a:t>21/10/2016</a:t>
             </a:fld>
             <a:endParaRPr lang="pt-BR"/>
           </a:p>
@@ -2061,7 +2062,7 @@
           <a:p>
             <a:fld id="{48619ED3-62B8-4CE6-B63B-BBBB2D3553ED}" type="datetimeFigureOut">
               <a:rPr lang="pt-BR" smtClean="0"/>
-              <a:t>20/10/2016</a:t>
+              <a:t>21/10/2016</a:t>
             </a:fld>
             <a:endParaRPr lang="pt-BR"/>
           </a:p>
@@ -2349,7 +2350,7 @@
           <a:p>
             <a:fld id="{48619ED3-62B8-4CE6-B63B-BBBB2D3553ED}" type="datetimeFigureOut">
               <a:rPr lang="pt-BR" smtClean="0"/>
-              <a:t>20/10/2016</a:t>
+              <a:t>21/10/2016</a:t>
             </a:fld>
             <a:endParaRPr lang="pt-BR"/>
           </a:p>
@@ -2618,7 +2619,7 @@
           <a:p>
             <a:fld id="{48619ED3-62B8-4CE6-B63B-BBBB2D3553ED}" type="datetimeFigureOut">
               <a:rPr lang="pt-BR" smtClean="0"/>
-              <a:t>20/10/2016</a:t>
+              <a:t>21/10/2016</a:t>
             </a:fld>
             <a:endParaRPr lang="pt-BR"/>
           </a:p>
@@ -2828,7 +2829,7 @@
           <a:p>
             <a:fld id="{48619ED3-62B8-4CE6-B63B-BBBB2D3553ED}" type="datetimeFigureOut">
               <a:rPr lang="pt-BR" smtClean="0"/>
-              <a:t>20/10/2016</a:t>
+              <a:t>21/10/2016</a:t>
             </a:fld>
             <a:endParaRPr lang="pt-BR"/>
           </a:p>
@@ -3491,27 +3492,8 @@
                 <a:ea typeface="Segoe UI" pitchFamily="34" charset="0"/>
                 <a:cs typeface="Segoe UI" pitchFamily="34" charset="0"/>
               </a:rPr>
-              <a:t>Desorganização dos eventos</a:t>
-            </a:r>
-            <a:r>
-              <a:rPr lang="pt-BR" sz="4000" dirty="0" smtClean="0">
-                <a:solidFill>
-                  <a:schemeClr val="tx1"/>
-                </a:solidFill>
-                <a:latin typeface="Segoe UI" pitchFamily="34" charset="0"/>
-                <a:ea typeface="Segoe UI" pitchFamily="34" charset="0"/>
-                <a:cs typeface="Segoe UI" pitchFamily="34" charset="0"/>
-              </a:rPr>
-              <a:t>, sem avisos.</a:t>
-            </a:r>
-            <a:endParaRPr lang="pt-BR" sz="4000" dirty="0" smtClean="0">
-              <a:solidFill>
-                <a:schemeClr val="tx1"/>
-              </a:solidFill>
-              <a:latin typeface="Segoe UI" pitchFamily="34" charset="0"/>
-              <a:ea typeface="Segoe UI" pitchFamily="34" charset="0"/>
-              <a:cs typeface="Segoe UI" pitchFamily="34" charset="0"/>
-            </a:endParaRPr>
+              <a:t>Desorganização dos eventos, sem avisos.</a:t>
+            </a:r>
           </a:p>
           <a:p>
             <a:pPr algn="just"/>
@@ -3637,18 +3619,7 @@
                 <a:ea typeface="Segoe UI" pitchFamily="34" charset="0"/>
                 <a:cs typeface="Segoe UI" pitchFamily="34" charset="0"/>
               </a:rPr>
-              <a:t>Registro de</a:t>
-            </a:r>
-            <a:r>
-              <a:rPr lang="pt-BR" sz="4000" dirty="0" smtClean="0">
-                <a:solidFill>
-                  <a:schemeClr val="tx1"/>
-                </a:solidFill>
-                <a:latin typeface="Segoe UI" pitchFamily="34" charset="0"/>
-                <a:ea typeface="Segoe UI" pitchFamily="34" charset="0"/>
-                <a:cs typeface="Segoe UI" pitchFamily="34" charset="0"/>
-              </a:rPr>
-              <a:t> todos os dados dos eventos.</a:t>
+              <a:t>Registro de todos os dados dos eventos.</a:t>
             </a:r>
             <a:r>
               <a:rPr lang="pt-BR" sz="4000" dirty="0" smtClean="0"/>
@@ -3775,60 +3746,8 @@
                 <a:ea typeface="Segoe UI" pitchFamily="34" charset="0"/>
                 <a:cs typeface="Segoe UI" pitchFamily="34" charset="0"/>
               </a:rPr>
-              <a:t>essoas </a:t>
-            </a:r>
-            <a:r>
-              <a:rPr lang="pt-BR" sz="4000" dirty="0" smtClean="0">
-                <a:solidFill>
-                  <a:schemeClr val="tx1"/>
-                </a:solidFill>
-                <a:latin typeface="Segoe UI" pitchFamily="34" charset="0"/>
-                <a:ea typeface="Segoe UI" pitchFamily="34" charset="0"/>
-                <a:cs typeface="Segoe UI" pitchFamily="34" charset="0"/>
-              </a:rPr>
-              <a:t>em geral que queiram </a:t>
-            </a:r>
-            <a:r>
-              <a:rPr lang="pt-BR" sz="4000" dirty="0" smtClean="0">
-                <a:solidFill>
-                  <a:schemeClr val="tx1"/>
-                </a:solidFill>
-                <a:latin typeface="Segoe UI" pitchFamily="34" charset="0"/>
-                <a:ea typeface="Segoe UI" pitchFamily="34" charset="0"/>
-                <a:cs typeface="Segoe UI" pitchFamily="34" charset="0"/>
-              </a:rPr>
-              <a:t>ter organizado em dia </a:t>
-            </a:r>
-            <a:r>
-              <a:rPr lang="pt-BR" sz="4000" dirty="0" smtClean="0">
-                <a:solidFill>
-                  <a:schemeClr val="tx1"/>
-                </a:solidFill>
-                <a:latin typeface="Segoe UI" pitchFamily="34" charset="0"/>
-                <a:ea typeface="Segoe UI" pitchFamily="34" charset="0"/>
-                <a:cs typeface="Segoe UI" pitchFamily="34" charset="0"/>
-              </a:rPr>
-              <a:t>e ter mais </a:t>
-            </a:r>
-            <a:r>
-              <a:rPr lang="pt-BR" sz="4000" dirty="0" smtClean="0">
-                <a:solidFill>
-                  <a:schemeClr val="tx1"/>
-                </a:solidFill>
-                <a:latin typeface="Segoe UI" pitchFamily="34" charset="0"/>
-                <a:ea typeface="Segoe UI" pitchFamily="34" charset="0"/>
-                <a:cs typeface="Segoe UI" pitchFamily="34" charset="0"/>
-              </a:rPr>
-              <a:t>controle dos eventos que vai ter.</a:t>
-            </a:r>
-            <a:endParaRPr lang="pt-BR" sz="4000" dirty="0" smtClean="0">
-              <a:solidFill>
-                <a:schemeClr val="tx1"/>
-              </a:solidFill>
-              <a:latin typeface="Segoe UI" pitchFamily="34" charset="0"/>
-              <a:ea typeface="Segoe UI" pitchFamily="34" charset="0"/>
-              <a:cs typeface="Segoe UI" pitchFamily="34" charset="0"/>
-            </a:endParaRPr>
+              <a:t>essoas em geral que queiram ter organizado em dia e ter mais controle dos eventos que vai ter.</a:t>
+            </a:r>
           </a:p>
         </p:txBody>
       </p:sp>
@@ -3853,6 +3772,108 @@
 </file>
 
 <file path=ppt/slides/slide5.xml><?xml version="1.0" encoding="utf-8"?>
+<p:sld xmlns:a="http://schemas.openxmlformats.org/drawingml/2006/main" xmlns:r="http://schemas.openxmlformats.org/officeDocument/2006/relationships" xmlns:p="http://schemas.openxmlformats.org/presentationml/2006/main">
+  <p:cSld>
+    <p:spTree>
+      <p:nvGrpSpPr>
+        <p:cNvPr id="1" name=""/>
+        <p:cNvGrpSpPr/>
+        <p:nvPr/>
+      </p:nvGrpSpPr>
+      <p:grpSpPr>
+        <a:xfrm>
+          <a:off x="0" y="0"/>
+          <a:ext cx="0" cy="0"/>
+          <a:chOff x="0" y="0"/>
+          <a:chExt cx="0" cy="0"/>
+        </a:xfrm>
+      </p:grpSpPr>
+      <p:pic>
+        <p:nvPicPr>
+          <p:cNvPr id="1026" name="Picture 2" descr="C:\Users\ADM\Desktop\klknlkmçl.png"/>
+          <p:cNvPicPr>
+            <a:picLocks noGrp="1" noChangeAspect="1" noChangeArrowheads="1"/>
+          </p:cNvPicPr>
+          <p:nvPr>
+            <p:ph idx="1"/>
+          </p:nvPr>
+        </p:nvPicPr>
+        <p:blipFill>
+          <a:blip r:embed="rId2">
+            <a:extLst>
+              <a:ext uri="{28A0092B-C50C-407E-A947-70E740481C1C}">
+                <a14:useLocalDpi xmlns:a14="http://schemas.microsoft.com/office/drawing/2010/main" val="0"/>
+              </a:ext>
+            </a:extLst>
+          </a:blip>
+          <a:srcRect/>
+          <a:stretch>
+            <a:fillRect/>
+          </a:stretch>
+        </p:blipFill>
+        <p:spPr bwMode="auto">
+          <a:xfrm>
+            <a:off x="0" y="980728"/>
+            <a:ext cx="9144000" cy="5877272"/>
+          </a:xfrm>
+          <a:prstGeom prst="rect">
+            <a:avLst/>
+          </a:prstGeom>
+          <a:noFill/>
+          <a:extLst>
+            <a:ext uri="{909E8E84-426E-40DD-AFC4-6F175D3DCCD1}">
+              <a14:hiddenFill xmlns:a14="http://schemas.microsoft.com/office/drawing/2010/main">
+                <a:solidFill>
+                  <a:srgbClr val="FFFFFF"/>
+                </a:solidFill>
+              </a14:hiddenFill>
+            </a:ext>
+          </a:extLst>
+        </p:spPr>
+      </p:pic>
+      <p:sp>
+        <p:nvSpPr>
+          <p:cNvPr id="2" name="Título 1"/>
+          <p:cNvSpPr>
+            <a:spLocks noGrp="1"/>
+          </p:cNvSpPr>
+          <p:nvPr>
+            <p:ph type="title"/>
+          </p:nvPr>
+        </p:nvSpPr>
+        <p:spPr>
+          <a:xfrm>
+            <a:off x="0" y="0"/>
+            <a:ext cx="9144000" cy="980728"/>
+          </a:xfrm>
+        </p:spPr>
+        <p:txBody>
+          <a:bodyPr/>
+          <a:lstStyle/>
+          <a:p>
+            <a:r>
+              <a:rPr lang="pt-BR" sz="4800" dirty="0">
+                <a:latin typeface="Arial Rounded MT Bold" pitchFamily="34" charset="0"/>
+              </a:rPr>
+              <a:t>Modelo do Banco</a:t>
+            </a:r>
+          </a:p>
+        </p:txBody>
+      </p:sp>
+    </p:spTree>
+    <p:extLst>
+      <p:ext uri="{BB962C8B-B14F-4D97-AF65-F5344CB8AC3E}">
+        <p14:creationId xmlns:p14="http://schemas.microsoft.com/office/powerpoint/2010/main" val="1455918782"/>
+      </p:ext>
+    </p:extLst>
+  </p:cSld>
+  <p:clrMapOvr>
+    <a:masterClrMapping/>
+  </p:clrMapOvr>
+</p:sld>
+</file>
+
+<file path=ppt/slides/slide6.xml><?xml version="1.0" encoding="utf-8"?>
 <p:sld xmlns:a="http://schemas.openxmlformats.org/drawingml/2006/main" xmlns:r="http://schemas.openxmlformats.org/officeDocument/2006/relationships" xmlns:p="http://schemas.openxmlformats.org/presentationml/2006/main">
   <p:cSld>
     <p:spTree>
